--- a/doc/ppt/读书笔记/Java 8深入剖析与实战.pptx
+++ b/doc/ppt/读书笔记/Java 8深入剖析与实战.pptx
@@ -307,7 +307,7 @@
           <a:p>
             <a:fld id="{1D8BD707-D9CF-40AE-B4C6-C98DA3205C09}" type="datetimeFigureOut">
               <a:rPr lang="en-US"/>
-              <a:t>7/16/2019</a:t>
+              <a:t>7/24/2019</a:t>
             </a:fld>
             <a:endParaRPr lang="en-US"/>
           </a:p>
@@ -484,7 +484,7 @@
           <a:p>
             <a:fld id="{1D8BD707-D9CF-40AE-B4C6-C98DA3205C09}" type="datetimeFigureOut">
               <a:rPr lang="en-US"/>
-              <a:t>7/16/2019</a:t>
+              <a:t>7/24/2019</a:t>
             </a:fld>
             <a:endParaRPr lang="en-US"/>
           </a:p>
@@ -698,7 +698,7 @@
           <a:p>
             <a:fld id="{1D8BD707-D9CF-40AE-B4C6-C98DA3205C09}" type="datetimeFigureOut">
               <a:rPr lang="en-US"/>
-              <a:t>7/16/2019</a:t>
+              <a:t>7/24/2019</a:t>
             </a:fld>
             <a:endParaRPr lang="en-US"/>
           </a:p>
@@ -846,7 +846,7 @@
           <a:p>
             <a:fld id="{1D8BD707-D9CF-40AE-B4C6-C98DA3205C09}" type="datetimeFigureOut">
               <a:rPr lang="en-US"/>
-              <a:t>7/16/2019</a:t>
+              <a:t>7/24/2019</a:t>
             </a:fld>
             <a:endParaRPr lang="en-US"/>
           </a:p>
@@ -965,7 +965,7 @@
           <a:p>
             <a:fld id="{1D8BD707-D9CF-40AE-B4C6-C98DA3205C09}" type="datetimeFigureOut">
               <a:rPr lang="en-US"/>
-              <a:t>7/16/2019</a:t>
+              <a:t>7/24/2019</a:t>
             </a:fld>
             <a:endParaRPr lang="en-US"/>
           </a:p>
@@ -1240,7 +1240,7 @@
           <a:p>
             <a:fld id="{1D8BD707-D9CF-40AE-B4C6-C98DA3205C09}" type="datetimeFigureOut">
               <a:rPr lang="en-US"/>
-              <a:t>7/16/2019</a:t>
+              <a:t>7/24/2019</a:t>
             </a:fld>
             <a:endParaRPr lang="en-US"/>
           </a:p>
@@ -1471,8 +1471,8 @@
         </p:nvSpPr>
         <p:spPr>
           <a:xfrm>
-            <a:off x="904143" y="1371600"/>
-            <a:ext cx="11468100" cy="1231106"/>
+            <a:off x="540971" y="1066800"/>
+            <a:ext cx="11922857" cy="1231106"/>
           </a:xfrm>
           <a:prstGeom prst="rect">
             <a:avLst/>
@@ -1493,39 +1493,91 @@
               </a:tabLst>
             </a:pPr>
             <a:r>
-              <a:rPr dirty="0" smtClean="0">
-                <a:latin typeface="微软雅黑" panose="020B0503020204020204" pitchFamily="34" charset="-122"/>
-                <a:ea typeface="微软雅黑" panose="020B0503020204020204" pitchFamily="34" charset="-122"/>
+              <a:rPr dirty="0">
+                <a:latin typeface="华文彩云" panose="02010800040101010101" pitchFamily="2" charset="-122"/>
+                <a:ea typeface="华文彩云" panose="02010800040101010101" pitchFamily="2" charset="-122"/>
                 <a:cs typeface="Arial"/>
               </a:rPr>
               <a:t>Java8</a:t>
             </a:r>
             <a:r>
-              <a:rPr lang="en-US" dirty="0" smtClean="0">
-                <a:latin typeface="微软雅黑" panose="020B0503020204020204" pitchFamily="34" charset="-122"/>
-                <a:ea typeface="微软雅黑" panose="020B0503020204020204" pitchFamily="34" charset="-122"/>
+              <a:rPr lang="en-US" dirty="0">
+                <a:latin typeface="华文彩云" panose="02010800040101010101" pitchFamily="2" charset="-122"/>
+                <a:ea typeface="华文彩云" panose="02010800040101010101" pitchFamily="2" charset="-122"/>
                 <a:cs typeface="Arial"/>
               </a:rPr>
               <a:t>  </a:t>
             </a:r>
             <a:r>
-              <a:rPr lang="zh-CN" altLang="en-US" dirty="0" smtClean="0">
-                <a:latin typeface="微软雅黑" panose="020B0503020204020204" pitchFamily="34" charset="-122"/>
-                <a:ea typeface="微软雅黑" panose="020B0503020204020204" pitchFamily="34" charset="-122"/>
-              </a:rPr>
-              <a:t>深入</a:t>
-            </a:r>
-            <a:r>
-              <a:rPr dirty="0" err="1" smtClean="0">
-                <a:latin typeface="微软雅黑" panose="020B0503020204020204" pitchFamily="34" charset="-122"/>
-                <a:ea typeface="微软雅黑" panose="020B0503020204020204" pitchFamily="34" charset="-122"/>
-              </a:rPr>
-              <a:t>剖析与实战</a:t>
-            </a:r>
-            <a:endParaRPr dirty="0">
-              <a:latin typeface="微软雅黑" panose="020B0503020204020204" pitchFamily="34" charset="-122"/>
-              <a:ea typeface="微软雅黑" panose="020B0503020204020204" pitchFamily="34" charset="-122"/>
-            </a:endParaRPr>
+              <a:rPr lang="zh-CN" altLang="en-US" dirty="0">
+                <a:latin typeface="华文彩云" panose="02010800040101010101" pitchFamily="2" charset="-122"/>
+                <a:ea typeface="华文彩云" panose="02010800040101010101" pitchFamily="2" charset="-122"/>
+              </a:rPr>
+              <a:t>深 入 </a:t>
+            </a:r>
+            <a:r>
+              <a:rPr dirty="0">
+                <a:latin typeface="华文彩云" panose="02010800040101010101" pitchFamily="2" charset="-122"/>
+                <a:ea typeface="华文彩云" panose="02010800040101010101" pitchFamily="2" charset="-122"/>
+              </a:rPr>
+              <a:t>剖</a:t>
+            </a:r>
+            <a:r>
+              <a:rPr lang="en-US" altLang="zh-CN" dirty="0">
+                <a:latin typeface="华文彩云" panose="02010800040101010101" pitchFamily="2" charset="-122"/>
+                <a:ea typeface="华文彩云" panose="02010800040101010101" pitchFamily="2" charset="-122"/>
+              </a:rPr>
+              <a:t> </a:t>
+            </a:r>
+            <a:r>
+              <a:rPr dirty="0">
+                <a:latin typeface="华文彩云" panose="02010800040101010101" pitchFamily="2" charset="-122"/>
+                <a:ea typeface="华文彩云" panose="02010800040101010101" pitchFamily="2" charset="-122"/>
+              </a:rPr>
+              <a:t>析</a:t>
+            </a:r>
+            <a:r>
+              <a:rPr lang="en-US" altLang="zh-CN" dirty="0">
+                <a:latin typeface="华文彩云" panose="02010800040101010101" pitchFamily="2" charset="-122"/>
+                <a:ea typeface="华文彩云" panose="02010800040101010101" pitchFamily="2" charset="-122"/>
+              </a:rPr>
+              <a:t> </a:t>
+            </a:r>
+            <a:r>
+              <a:rPr dirty="0">
+                <a:latin typeface="华文彩云" panose="02010800040101010101" pitchFamily="2" charset="-122"/>
+                <a:ea typeface="华文彩云" panose="02010800040101010101" pitchFamily="2" charset="-122"/>
+              </a:rPr>
+              <a:t>与</a:t>
+            </a:r>
+            <a:r>
+              <a:rPr lang="en-US" altLang="zh-CN" dirty="0">
+                <a:latin typeface="华文彩云" panose="02010800040101010101" pitchFamily="2" charset="-122"/>
+                <a:ea typeface="华文彩云" panose="02010800040101010101" pitchFamily="2" charset="-122"/>
+              </a:rPr>
+              <a:t> </a:t>
+            </a:r>
+            <a:r>
+              <a:rPr dirty="0">
+                <a:latin typeface="华文彩云" panose="02010800040101010101" pitchFamily="2" charset="-122"/>
+                <a:ea typeface="华文彩云" panose="02010800040101010101" pitchFamily="2" charset="-122"/>
+              </a:rPr>
+              <a:t>实</a:t>
+            </a:r>
+            <a:r>
+              <a:rPr lang="en-US" altLang="zh-CN" dirty="0">
+                <a:latin typeface="华文彩云" panose="02010800040101010101" pitchFamily="2" charset="-122"/>
+                <a:ea typeface="华文彩云" panose="02010800040101010101" pitchFamily="2" charset="-122"/>
+              </a:rPr>
+              <a:t> </a:t>
+            </a:r>
+            <a:r>
+              <a:rPr dirty="0">
+                <a:latin typeface="华文彩云" panose="02010800040101010101" pitchFamily="2" charset="-122"/>
+                <a:ea typeface="华文彩云" panose="02010800040101010101" pitchFamily="2" charset="-122"/>
+              </a:rPr>
+              <a:t>战</a:t>
+            </a:r>
           </a:p>
         </p:txBody>
       </p:sp>
@@ -1537,7 +1589,7 @@
         </p:nvSpPr>
         <p:spPr>
           <a:xfrm>
-            <a:off x="5214096" y="6324600"/>
+            <a:off x="5096247" y="5410200"/>
             <a:ext cx="2812303" cy="492443"/>
           </a:xfrm>
           <a:prstGeom prst="rect">
@@ -1556,52 +1608,85 @@
               </a:lnSpc>
             </a:pPr>
             <a:r>
-              <a:rPr sz="3200" spc="-535" dirty="0" smtClean="0">
-                <a:solidFill>
-                  <a:srgbClr val="FFFFFF"/>
-                </a:solidFill>
-                <a:latin typeface="微软雅黑" panose="020B0503020204020204" pitchFamily="34" charset="-122"/>
-                <a:ea typeface="微软雅黑" panose="020B0503020204020204" pitchFamily="34" charset="-122"/>
+              <a:rPr sz="3200" spc="-535" dirty="0">
+                <a:solidFill>
+                  <a:srgbClr val="FFFFFF"/>
+                </a:solidFill>
+                <a:latin typeface="华文彩云" panose="02010800040101010101" pitchFamily="2" charset="-122"/>
+                <a:ea typeface="华文彩云" panose="02010800040101010101" pitchFamily="2" charset="-122"/>
                 <a:cs typeface="Arial Unicode MS"/>
               </a:rPr>
               <a:t>讲</a:t>
             </a:r>
             <a:r>
-              <a:rPr lang="en-US" sz="3200" spc="-535" dirty="0" smtClean="0">
-                <a:solidFill>
-                  <a:srgbClr val="FFFFFF"/>
-                </a:solidFill>
-                <a:latin typeface="微软雅黑" panose="020B0503020204020204" pitchFamily="34" charset="-122"/>
-                <a:ea typeface="微软雅黑" panose="020B0503020204020204" pitchFamily="34" charset="-122"/>
-                <a:cs typeface="Arial Unicode MS"/>
-              </a:rPr>
-              <a:t>   </a:t>
-            </a:r>
-            <a:r>
-              <a:rPr sz="3200" spc="-535" dirty="0" err="1" smtClean="0">
-                <a:solidFill>
-                  <a:srgbClr val="FFFFFF"/>
-                </a:solidFill>
-                <a:latin typeface="微软雅黑" panose="020B0503020204020204" pitchFamily="34" charset="-122"/>
-                <a:ea typeface="微软雅黑" panose="020B0503020204020204" pitchFamily="34" charset="-122"/>
+              <a:rPr lang="en-US" sz="3200" spc="-535" dirty="0">
+                <a:solidFill>
+                  <a:srgbClr val="FFFFFF"/>
+                </a:solidFill>
+                <a:latin typeface="华文彩云" panose="02010800040101010101" pitchFamily="2" charset="-122"/>
+                <a:ea typeface="华文彩云" panose="02010800040101010101" pitchFamily="2" charset="-122"/>
+                <a:cs typeface="Arial Unicode MS"/>
+              </a:rPr>
+              <a:t>      </a:t>
+            </a:r>
+            <a:r>
+              <a:rPr sz="3200" spc="-535" dirty="0">
+                <a:solidFill>
+                  <a:srgbClr val="FFFFFF"/>
+                </a:solidFill>
+                <a:latin typeface="华文彩云" panose="02010800040101010101" pitchFamily="2" charset="-122"/>
+                <a:ea typeface="华文彩云" panose="02010800040101010101" pitchFamily="2" charset="-122"/>
                 <a:cs typeface="Arial Unicode MS"/>
               </a:rPr>
               <a:t>师</a:t>
             </a:r>
             <a:r>
-              <a:rPr sz="3200" spc="-535" dirty="0" err="1">
-                <a:solidFill>
-                  <a:srgbClr val="FFFFFF"/>
-                </a:solidFill>
-                <a:latin typeface="微软雅黑" panose="020B0503020204020204" pitchFamily="34" charset="-122"/>
-                <a:ea typeface="微软雅黑" panose="020B0503020204020204" pitchFamily="34" charset="-122"/>
-                <a:cs typeface="Arial Unicode MS"/>
-              </a:rPr>
-              <a:t>：张⻰龙</a:t>
+              <a:rPr lang="en-US" altLang="zh-CN" sz="3200" spc="-535" dirty="0">
+                <a:solidFill>
+                  <a:srgbClr val="FFFFFF"/>
+                </a:solidFill>
+                <a:latin typeface="华文彩云" panose="02010800040101010101" pitchFamily="2" charset="-122"/>
+                <a:ea typeface="华文彩云" panose="02010800040101010101" pitchFamily="2" charset="-122"/>
+                <a:cs typeface="Arial Unicode MS"/>
+              </a:rPr>
+              <a:t> </a:t>
+            </a:r>
+            <a:r>
+              <a:rPr sz="3200" spc="-535" dirty="0">
+                <a:solidFill>
+                  <a:srgbClr val="FFFFFF"/>
+                </a:solidFill>
+                <a:latin typeface="华文彩云" panose="02010800040101010101" pitchFamily="2" charset="-122"/>
+                <a:ea typeface="华文彩云" panose="02010800040101010101" pitchFamily="2" charset="-122"/>
+                <a:cs typeface="Arial Unicode MS"/>
+              </a:rPr>
+              <a:t>：张</a:t>
+            </a:r>
+            <a:r>
+              <a:rPr lang="en-US" altLang="zh-CN" sz="3200" spc="-535" dirty="0">
+                <a:solidFill>
+                  <a:srgbClr val="FFFFFF"/>
+                </a:solidFill>
+                <a:latin typeface="华文彩云" panose="02010800040101010101" pitchFamily="2" charset="-122"/>
+                <a:ea typeface="华文彩云" panose="02010800040101010101" pitchFamily="2" charset="-122"/>
+                <a:cs typeface="Arial Unicode MS"/>
+              </a:rPr>
+              <a:t>    </a:t>
+            </a:r>
+            <a:r>
+              <a:rPr sz="3200" spc="-535" dirty="0">
+                <a:solidFill>
+                  <a:srgbClr val="FFFFFF"/>
+                </a:solidFill>
+                <a:latin typeface="华文彩云" panose="02010800040101010101" pitchFamily="2" charset="-122"/>
+                <a:ea typeface="华文彩云" panose="02010800040101010101" pitchFamily="2" charset="-122"/>
+                <a:cs typeface="Arial Unicode MS"/>
+              </a:rPr>
+              <a:t>龙</a:t>
             </a:r>
             <a:endParaRPr sz="3200" dirty="0">
-              <a:latin typeface="微软雅黑" panose="020B0503020204020204" pitchFamily="34" charset="-122"/>
-              <a:ea typeface="微软雅黑" panose="020B0503020204020204" pitchFamily="34" charset="-122"/>
+              <a:latin typeface="华文彩云" panose="02010800040101010101" pitchFamily="2" charset="-122"/>
+              <a:ea typeface="华文彩云" panose="02010800040101010101" pitchFamily="2" charset="-122"/>
               <a:cs typeface="Arial Unicode MS"/>
             </a:endParaRPr>
           </a:p>
@@ -1615,8 +1700,8 @@
         </p:nvSpPr>
         <p:spPr>
           <a:xfrm>
-            <a:off x="3759200" y="8229600"/>
-            <a:ext cx="5238781" cy="992579"/>
+            <a:off x="3668701" y="7162800"/>
+            <a:ext cx="5667393" cy="992579"/>
           </a:xfrm>
           <a:prstGeom prst="rect">
             <a:avLst/>
@@ -1641,26 +1726,224 @@
                 <a:solidFill>
                   <a:srgbClr val="FFFFFF"/>
                 </a:solidFill>
-                <a:latin typeface="华文楷体" panose="02010600040101010101" pitchFamily="2" charset="-122"/>
-                <a:ea typeface="华文楷体" panose="02010600040101010101" pitchFamily="2" charset="-122"/>
-                <a:cs typeface="Arial Unicode MS"/>
-              </a:rPr>
-              <a:t>版权所有	</a:t>
+                <a:latin typeface="华文彩云" panose="02010800040101010101" pitchFamily="2" charset="-122"/>
+                <a:ea typeface="华文彩云" panose="02010800040101010101" pitchFamily="2" charset="-122"/>
+                <a:cs typeface="Arial Unicode MS"/>
+              </a:rPr>
+              <a:t>版</a:t>
+            </a:r>
+            <a:r>
+              <a:rPr lang="en-US" altLang="zh-CN" sz="3100" spc="35" dirty="0">
+                <a:solidFill>
+                  <a:srgbClr val="FFFFFF"/>
+                </a:solidFill>
+                <a:latin typeface="华文彩云" panose="02010800040101010101" pitchFamily="2" charset="-122"/>
+                <a:ea typeface="华文彩云" panose="02010800040101010101" pitchFamily="2" charset="-122"/>
+                <a:cs typeface="Arial Unicode MS"/>
+              </a:rPr>
+              <a:t> </a:t>
+            </a:r>
+            <a:r>
+              <a:rPr sz="3100" spc="35" dirty="0">
+                <a:solidFill>
+                  <a:srgbClr val="FFFFFF"/>
+                </a:solidFill>
+                <a:latin typeface="华文彩云" panose="02010800040101010101" pitchFamily="2" charset="-122"/>
+                <a:ea typeface="华文彩云" panose="02010800040101010101" pitchFamily="2" charset="-122"/>
+                <a:cs typeface="Arial Unicode MS"/>
+              </a:rPr>
+              <a:t>权</a:t>
+            </a:r>
+            <a:r>
+              <a:rPr lang="en-US" altLang="zh-CN" sz="3100" spc="35" dirty="0">
+                <a:solidFill>
+                  <a:srgbClr val="FFFFFF"/>
+                </a:solidFill>
+                <a:latin typeface="华文彩云" panose="02010800040101010101" pitchFamily="2" charset="-122"/>
+                <a:ea typeface="华文彩云" panose="02010800040101010101" pitchFamily="2" charset="-122"/>
+                <a:cs typeface="Arial Unicode MS"/>
+              </a:rPr>
+              <a:t> </a:t>
+            </a:r>
+            <a:r>
+              <a:rPr sz="3100" spc="35" dirty="0">
+                <a:solidFill>
+                  <a:srgbClr val="FFFFFF"/>
+                </a:solidFill>
+                <a:latin typeface="华文彩云" panose="02010800040101010101" pitchFamily="2" charset="-122"/>
+                <a:ea typeface="华文彩云" panose="02010800040101010101" pitchFamily="2" charset="-122"/>
+                <a:cs typeface="Arial Unicode MS"/>
+              </a:rPr>
+              <a:t>所</a:t>
+            </a:r>
+            <a:r>
+              <a:rPr lang="en-US" altLang="zh-CN" sz="3100" spc="35" dirty="0">
+                <a:solidFill>
+                  <a:srgbClr val="FFFFFF"/>
+                </a:solidFill>
+                <a:latin typeface="华文彩云" panose="02010800040101010101" pitchFamily="2" charset="-122"/>
+                <a:ea typeface="华文彩云" panose="02010800040101010101" pitchFamily="2" charset="-122"/>
+                <a:cs typeface="Arial Unicode MS"/>
+              </a:rPr>
+              <a:t> </a:t>
+            </a:r>
+            <a:r>
+              <a:rPr sz="3100" spc="35" dirty="0">
+                <a:solidFill>
+                  <a:srgbClr val="FFFFFF"/>
+                </a:solidFill>
+                <a:latin typeface="华文彩云" panose="02010800040101010101" pitchFamily="2" charset="-122"/>
+                <a:ea typeface="华文彩云" panose="02010800040101010101" pitchFamily="2" charset="-122"/>
+                <a:cs typeface="Arial Unicode MS"/>
+              </a:rPr>
+              <a:t>有</a:t>
+            </a:r>
+            <a:r>
+              <a:rPr lang="en-US" altLang="zh-CN" sz="3100" spc="35" dirty="0">
+                <a:solidFill>
+                  <a:srgbClr val="FFFFFF"/>
+                </a:solidFill>
+                <a:latin typeface="华文彩云" panose="02010800040101010101" pitchFamily="2" charset="-122"/>
+                <a:ea typeface="华文彩云" panose="02010800040101010101" pitchFamily="2" charset="-122"/>
+                <a:cs typeface="Arial Unicode MS"/>
+              </a:rPr>
+              <a:t>   </a:t>
+            </a:r>
+            <a:r>
+              <a:rPr lang="zh-CN" altLang="en-US" sz="3100" spc="-360" dirty="0">
+                <a:solidFill>
+                  <a:srgbClr val="FFFFFF"/>
+                </a:solidFill>
+                <a:latin typeface="华文彩云" panose="02010800040101010101" pitchFamily="2" charset="-122"/>
+                <a:ea typeface="华文彩云" panose="02010800040101010101" pitchFamily="2" charset="-122"/>
+                <a:cs typeface="Arial Unicode MS"/>
+              </a:rPr>
+              <a:t>北 </a:t>
             </a:r>
             <a:r>
               <a:rPr sz="3100" spc="-360" dirty="0">
                 <a:solidFill>
                   <a:srgbClr val="FFFFFF"/>
                 </a:solidFill>
-                <a:latin typeface="华文楷体" panose="02010600040101010101" pitchFamily="2" charset="-122"/>
-                <a:ea typeface="华文楷体" panose="02010600040101010101" pitchFamily="2" charset="-122"/>
-                <a:cs typeface="Arial Unicode MS"/>
-              </a:rPr>
-              <a:t>北北京圣思园教育</a:t>
+                <a:latin typeface="华文彩云" panose="02010800040101010101" pitchFamily="2" charset="-122"/>
+                <a:ea typeface="华文彩云" panose="02010800040101010101" pitchFamily="2" charset="-122"/>
+                <a:cs typeface="Arial Unicode MS"/>
+              </a:rPr>
+              <a:t>京</a:t>
+            </a:r>
+            <a:r>
+              <a:rPr lang="en-US" altLang="zh-CN" sz="3100" spc="-360" dirty="0">
+                <a:solidFill>
+                  <a:srgbClr val="FFFFFF"/>
+                </a:solidFill>
+                <a:latin typeface="华文彩云" panose="02010800040101010101" pitchFamily="2" charset="-122"/>
+                <a:ea typeface="华文彩云" panose="02010800040101010101" pitchFamily="2" charset="-122"/>
+                <a:cs typeface="Arial Unicode MS"/>
+              </a:rPr>
+              <a:t> </a:t>
+            </a:r>
+            <a:r>
+              <a:rPr sz="3100" spc="-360" dirty="0">
+                <a:solidFill>
+                  <a:srgbClr val="FFFFFF"/>
+                </a:solidFill>
+                <a:latin typeface="华文彩云" panose="02010800040101010101" pitchFamily="2" charset="-122"/>
+                <a:ea typeface="华文彩云" panose="02010800040101010101" pitchFamily="2" charset="-122"/>
+                <a:cs typeface="Arial Unicode MS"/>
+              </a:rPr>
+              <a:t>圣</a:t>
+            </a:r>
+            <a:r>
+              <a:rPr lang="en-US" altLang="zh-CN" sz="3100" spc="-360" dirty="0">
+                <a:solidFill>
+                  <a:srgbClr val="FFFFFF"/>
+                </a:solidFill>
+                <a:latin typeface="华文彩云" panose="02010800040101010101" pitchFamily="2" charset="-122"/>
+                <a:ea typeface="华文彩云" panose="02010800040101010101" pitchFamily="2" charset="-122"/>
+                <a:cs typeface="Arial Unicode MS"/>
+              </a:rPr>
+              <a:t> </a:t>
+            </a:r>
+            <a:r>
+              <a:rPr sz="3100" spc="-360" dirty="0">
+                <a:solidFill>
+                  <a:srgbClr val="FFFFFF"/>
+                </a:solidFill>
+                <a:latin typeface="华文彩云" panose="02010800040101010101" pitchFamily="2" charset="-122"/>
+                <a:ea typeface="华文彩云" panose="02010800040101010101" pitchFamily="2" charset="-122"/>
+                <a:cs typeface="Arial Unicode MS"/>
+              </a:rPr>
+              <a:t>思</a:t>
+            </a:r>
+            <a:r>
+              <a:rPr lang="en-US" altLang="zh-CN" sz="3100" spc="-360" dirty="0">
+                <a:solidFill>
+                  <a:srgbClr val="FFFFFF"/>
+                </a:solidFill>
+                <a:latin typeface="华文彩云" panose="02010800040101010101" pitchFamily="2" charset="-122"/>
+                <a:ea typeface="华文彩云" panose="02010800040101010101" pitchFamily="2" charset="-122"/>
+                <a:cs typeface="Arial Unicode MS"/>
+              </a:rPr>
+              <a:t> </a:t>
+            </a:r>
+            <a:r>
+              <a:rPr sz="3100" spc="-360" dirty="0">
+                <a:solidFill>
+                  <a:srgbClr val="FFFFFF"/>
+                </a:solidFill>
+                <a:latin typeface="华文彩云" panose="02010800040101010101" pitchFamily="2" charset="-122"/>
+                <a:ea typeface="华文彩云" panose="02010800040101010101" pitchFamily="2" charset="-122"/>
+                <a:cs typeface="Arial Unicode MS"/>
+              </a:rPr>
+              <a:t>园</a:t>
+            </a:r>
+            <a:r>
+              <a:rPr lang="en-US" altLang="zh-CN" sz="3100" spc="-360" dirty="0">
+                <a:solidFill>
+                  <a:srgbClr val="FFFFFF"/>
+                </a:solidFill>
+                <a:latin typeface="华文彩云" panose="02010800040101010101" pitchFamily="2" charset="-122"/>
+                <a:ea typeface="华文彩云" panose="02010800040101010101" pitchFamily="2" charset="-122"/>
+                <a:cs typeface="Arial Unicode MS"/>
+              </a:rPr>
+              <a:t> </a:t>
+            </a:r>
+            <a:r>
+              <a:rPr sz="3100" spc="-360" dirty="0">
+                <a:solidFill>
+                  <a:srgbClr val="FFFFFF"/>
+                </a:solidFill>
+                <a:latin typeface="华文彩云" panose="02010800040101010101" pitchFamily="2" charset="-122"/>
+                <a:ea typeface="华文彩云" panose="02010800040101010101" pitchFamily="2" charset="-122"/>
+                <a:cs typeface="Arial Unicode MS"/>
+              </a:rPr>
+              <a:t>教</a:t>
+            </a:r>
+            <a:r>
+              <a:rPr lang="en-US" altLang="zh-CN" sz="3100" spc="-360" dirty="0">
+                <a:solidFill>
+                  <a:srgbClr val="FFFFFF"/>
+                </a:solidFill>
+                <a:latin typeface="华文彩云" panose="02010800040101010101" pitchFamily="2" charset="-122"/>
+                <a:ea typeface="华文彩云" panose="02010800040101010101" pitchFamily="2" charset="-122"/>
+                <a:cs typeface="Arial Unicode MS"/>
+              </a:rPr>
+              <a:t> </a:t>
+            </a:r>
+            <a:r>
+              <a:rPr sz="3100" spc="-360" dirty="0">
+                <a:solidFill>
+                  <a:srgbClr val="FFFFFF"/>
+                </a:solidFill>
+                <a:latin typeface="华文彩云" panose="02010800040101010101" pitchFamily="2" charset="-122"/>
+                <a:ea typeface="华文彩云" panose="02010800040101010101" pitchFamily="2" charset="-122"/>
+                <a:cs typeface="Arial Unicode MS"/>
+              </a:rPr>
+              <a:t>育</a:t>
             </a:r>
             <a:endParaRPr sz="3100" dirty="0">
-              <a:latin typeface="华文楷体" panose="02010600040101010101" pitchFamily="2" charset="-122"/>
-              <a:ea typeface="华文楷体" panose="02010600040101010101" pitchFamily="2" charset="-122"/>
+              <a:latin typeface="华文彩云" panose="02010800040101010101" pitchFamily="2" charset="-122"/>
+              <a:ea typeface="华文彩云" panose="02010800040101010101" pitchFamily="2" charset="-122"/>
               <a:cs typeface="Arial Unicode MS"/>
             </a:endParaRPr>
           </a:p>
@@ -1678,8 +1961,8 @@
                 <a:solidFill>
                   <a:srgbClr val="FFFFFF"/>
                 </a:solidFill>
-                <a:latin typeface="华文楷体" panose="02010600040101010101" pitchFamily="2" charset="-122"/>
-                <a:ea typeface="华文楷体" panose="02010600040101010101" pitchFamily="2" charset="-122"/>
+                <a:latin typeface="华文彩云" panose="02010800040101010101" pitchFamily="2" charset="-122"/>
+                <a:ea typeface="华文彩云" panose="02010800040101010101" pitchFamily="2" charset="-122"/>
                 <a:cs typeface="Arial"/>
               </a:rPr>
               <a:t>ip</a:t>
@@ -1689,8 +1972,8 @@
                 <a:solidFill>
                   <a:srgbClr val="FFFFFF"/>
                 </a:solidFill>
-                <a:latin typeface="华文楷体" panose="02010600040101010101" pitchFamily="2" charset="-122"/>
-                <a:ea typeface="华文楷体" panose="02010600040101010101" pitchFamily="2" charset="-122"/>
+                <a:latin typeface="华文彩云" panose="02010800040101010101" pitchFamily="2" charset="-122"/>
+                <a:ea typeface="华文彩云" panose="02010800040101010101" pitchFamily="2" charset="-122"/>
                 <a:cs typeface="Arial"/>
               </a:rPr>
               <a:t>r</a:t>
@@ -1700,15 +1983,15 @@
                 <a:solidFill>
                   <a:srgbClr val="FFFFFF"/>
                 </a:solidFill>
-                <a:latin typeface="华文楷体" panose="02010600040101010101" pitchFamily="2" charset="-122"/>
-                <a:ea typeface="华文楷体" panose="02010600040101010101" pitchFamily="2" charset="-122"/>
+                <a:latin typeface="华文彩云" panose="02010800040101010101" pitchFamily="2" charset="-122"/>
+                <a:ea typeface="华文彩云" panose="02010800040101010101" pitchFamily="2" charset="-122"/>
                 <a:cs typeface="Arial"/>
               </a:rPr>
               <a:t>ogramming.cn</a:t>
             </a:r>
             <a:endParaRPr sz="3100" dirty="0">
-              <a:latin typeface="华文楷体" panose="02010600040101010101" pitchFamily="2" charset="-122"/>
-              <a:ea typeface="华文楷体" panose="02010600040101010101" pitchFamily="2" charset="-122"/>
+              <a:latin typeface="华文彩云" panose="02010800040101010101" pitchFamily="2" charset="-122"/>
+              <a:ea typeface="华文彩云" panose="02010800040101010101" pitchFamily="2" charset="-122"/>
               <a:cs typeface="Arial"/>
             </a:endParaRPr>
           </a:p>
@@ -6882,6 +7165,10 @@
           </p:nvPr>
         </p:nvSpPr>
         <p:spPr>
+          <a:xfrm>
+            <a:off x="990600" y="880780"/>
+            <a:ext cx="11023600" cy="1231106"/>
+          </a:xfrm>
           <a:prstGeom prst="rect">
             <a:avLst/>
           </a:prstGeom>
@@ -6898,18 +7185,25 @@
               </a:lnSpc>
             </a:pPr>
             <a:r>
-              <a:rPr dirty="0"/>
+              <a:rPr dirty="0">
+                <a:latin typeface="华文彩云" panose="02010800040101010101" pitchFamily="2" charset="-122"/>
+                <a:ea typeface="华文彩云" panose="02010800040101010101" pitchFamily="2" charset="-122"/>
+              </a:rPr>
               <a:t>何为</a:t>
             </a:r>
             <a:r>
               <a:rPr spc="145" dirty="0">
-                <a:latin typeface="Arial"/>
+                <a:latin typeface="华文彩云" panose="02010800040101010101" pitchFamily="2" charset="-122"/>
+                <a:ea typeface="华文彩云" panose="02010800040101010101" pitchFamily="2" charset="-122"/>
                 <a:cs typeface="Arial"/>
               </a:rPr>
               <a:t>Lambda</a:t>
             </a:r>
             <a:r>
-              <a:rPr spc="145" dirty="0"/>
+              <a:rPr spc="145" dirty="0">
+                <a:latin typeface="华文彩云" panose="02010800040101010101" pitchFamily="2" charset="-122"/>
+                <a:ea typeface="华文彩云" panose="02010800040101010101" pitchFamily="2" charset="-122"/>
+              </a:rPr>
               <a:t>表达式</a:t>
             </a:r>
           </a:p>
@@ -6967,7 +7261,7 @@
         <p:spPr>
           <a:xfrm>
             <a:off x="1435100" y="2759992"/>
-            <a:ext cx="10046970" cy="2888615"/>
+            <a:ext cx="10706100" cy="2369751"/>
           </a:xfrm>
           <a:prstGeom prst="rect">
             <a:avLst/>
@@ -12275,23 +12569,23 @@
             </a:pPr>
             <a:r>
               <a:rPr sz="7200" dirty="0">
-                <a:latin typeface="微软雅黑" panose="020B0503020204020204" pitchFamily="34" charset="-122"/>
-                <a:ea typeface="微软雅黑" panose="020B0503020204020204" pitchFamily="34" charset="-122"/>
+                <a:latin typeface="华文彩云" panose="02010800040101010101" pitchFamily="2" charset="-122"/>
+                <a:ea typeface="华文彩云" panose="02010800040101010101" pitchFamily="2" charset="-122"/>
               </a:rPr>
               <a:t>为何需要</a:t>
             </a:r>
             <a:r>
               <a:rPr sz="7200" spc="145" dirty="0">
-                <a:latin typeface="微软雅黑" panose="020B0503020204020204" pitchFamily="34" charset="-122"/>
-                <a:ea typeface="微软雅黑" panose="020B0503020204020204" pitchFamily="34" charset="-122"/>
+                <a:latin typeface="华文彩云" panose="02010800040101010101" pitchFamily="2" charset="-122"/>
+                <a:ea typeface="华文彩云" panose="02010800040101010101" pitchFamily="2" charset="-122"/>
                 <a:cs typeface="Arial"/>
               </a:rPr>
               <a:t>Lambda</a:t>
             </a:r>
             <a:r>
               <a:rPr sz="7200" spc="145" dirty="0">
-                <a:latin typeface="微软雅黑" panose="020B0503020204020204" pitchFamily="34" charset="-122"/>
-                <a:ea typeface="微软雅黑" panose="020B0503020204020204" pitchFamily="34" charset="-122"/>
+                <a:latin typeface="华文彩云" panose="02010800040101010101" pitchFamily="2" charset="-122"/>
+                <a:ea typeface="华文彩云" panose="02010800040101010101" pitchFamily="2" charset="-122"/>
               </a:rPr>
               <a:t>表达式</a:t>
             </a:r>
@@ -12329,15 +12623,15 @@
                 <a:solidFill>
                   <a:srgbClr val="FFFFFF"/>
                 </a:solidFill>
-                <a:latin typeface="微软雅黑" panose="020B0503020204020204" pitchFamily="34" charset="-122"/>
-                <a:ea typeface="微软雅黑" panose="020B0503020204020204" pitchFamily="34" charset="-122"/>
+                <a:latin typeface="华文彩云" panose="02010800040101010101" pitchFamily="2" charset="-122"/>
+                <a:ea typeface="华文彩云" panose="02010800040101010101" pitchFamily="2" charset="-122"/>
                 <a:cs typeface="Arial"/>
               </a:rPr>
               <a:t>•</a:t>
             </a:r>
             <a:endParaRPr sz="2850">
-              <a:latin typeface="微软雅黑" panose="020B0503020204020204" pitchFamily="34" charset="-122"/>
-              <a:ea typeface="微软雅黑" panose="020B0503020204020204" pitchFamily="34" charset="-122"/>
+              <a:latin typeface="华文彩云" panose="02010800040101010101" pitchFamily="2" charset="-122"/>
+              <a:ea typeface="华文彩云" panose="02010800040101010101" pitchFamily="2" charset="-122"/>
               <a:cs typeface="Arial"/>
             </a:endParaRPr>
           </a:p>
@@ -12374,8 +12668,8 @@
                 <a:solidFill>
                   <a:srgbClr val="FFFFFF"/>
                 </a:solidFill>
-                <a:latin typeface="微软雅黑" panose="020B0503020204020204" pitchFamily="34" charset="-122"/>
-                <a:ea typeface="微软雅黑" panose="020B0503020204020204" pitchFamily="34" charset="-122"/>
+                <a:latin typeface="华文彩云" panose="02010800040101010101" pitchFamily="2" charset="-122"/>
+                <a:ea typeface="华文彩云" panose="02010800040101010101" pitchFamily="2" charset="-122"/>
                 <a:cs typeface="Arial Unicode MS"/>
               </a:rPr>
               <a:t>在</a:t>
@@ -12385,8 +12679,8 @@
                 <a:solidFill>
                   <a:srgbClr val="FFFFFF"/>
                 </a:solidFill>
-                <a:latin typeface="微软雅黑" panose="020B0503020204020204" pitchFamily="34" charset="-122"/>
-                <a:ea typeface="微软雅黑" panose="020B0503020204020204" pitchFamily="34" charset="-122"/>
+                <a:latin typeface="华文彩云" panose="02010800040101010101" pitchFamily="2" charset="-122"/>
+                <a:ea typeface="华文彩云" panose="02010800040101010101" pitchFamily="2" charset="-122"/>
                 <a:cs typeface="Arial"/>
               </a:rPr>
               <a:t>Java</a:t>
@@ -12396,26 +12690,15 @@
                 <a:solidFill>
                   <a:srgbClr val="FFFFFF"/>
                 </a:solidFill>
-                <a:latin typeface="微软雅黑" panose="020B0503020204020204" pitchFamily="34" charset="-122"/>
-                <a:ea typeface="微软雅黑" panose="020B0503020204020204" pitchFamily="34" charset="-122"/>
-                <a:cs typeface="Arial Unicode MS"/>
-              </a:rPr>
-              <a:t>中，我们⽆无法将函数作为参数传递给</a:t>
-            </a:r>
-            <a:r>
-              <a:rPr sz="3800" spc="-150" dirty="0" err="1" smtClean="0">
-                <a:solidFill>
-                  <a:srgbClr val="FFFFFF"/>
-                </a:solidFill>
-                <a:latin typeface="微软雅黑" panose="020B0503020204020204" pitchFamily="34" charset="-122"/>
-                <a:ea typeface="微软雅黑" panose="020B0503020204020204" pitchFamily="34" charset="-122"/>
-                <a:cs typeface="Arial Unicode MS"/>
-              </a:rPr>
-              <a:t>⼀个</a:t>
+                <a:latin typeface="华文彩云" panose="02010800040101010101" pitchFamily="2" charset="-122"/>
+                <a:ea typeface="华文彩云" panose="02010800040101010101" pitchFamily="2" charset="-122"/>
+                <a:cs typeface="Arial Unicode MS"/>
+              </a:rPr>
+              <a:t>中，我们⽆无法将函数作为参数传递给⼀个</a:t>
             </a:r>
             <a:endParaRPr sz="3800" spc="-150" dirty="0">
-              <a:latin typeface="微软雅黑" panose="020B0503020204020204" pitchFamily="34" charset="-122"/>
-              <a:ea typeface="微软雅黑" panose="020B0503020204020204" pitchFamily="34" charset="-122"/>
+              <a:latin typeface="华文彩云" panose="02010800040101010101" pitchFamily="2" charset="-122"/>
+              <a:ea typeface="华文彩云" panose="02010800040101010101" pitchFamily="2" charset="-122"/>
               <a:cs typeface="Arial Unicode MS"/>
             </a:endParaRPr>
           </a:p>
@@ -12433,15 +12716,15 @@
                 <a:solidFill>
                   <a:srgbClr val="FFFFFF"/>
                 </a:solidFill>
-                <a:latin typeface="微软雅黑" panose="020B0503020204020204" pitchFamily="34" charset="-122"/>
-                <a:ea typeface="微软雅黑" panose="020B0503020204020204" pitchFamily="34" charset="-122"/>
+                <a:latin typeface="华文彩云" panose="02010800040101010101" pitchFamily="2" charset="-122"/>
+                <a:ea typeface="华文彩云" panose="02010800040101010101" pitchFamily="2" charset="-122"/>
                 <a:cs typeface="Arial Unicode MS"/>
               </a:rPr>
               <a:t>⽅方法，也⽆无法声明返回⼀一个函数的⽅方法</a:t>
             </a:r>
             <a:endParaRPr sz="3800" spc="-150" dirty="0">
-              <a:latin typeface="微软雅黑" panose="020B0503020204020204" pitchFamily="34" charset="-122"/>
-              <a:ea typeface="微软雅黑" panose="020B0503020204020204" pitchFamily="34" charset="-122"/>
+              <a:latin typeface="华文彩云" panose="02010800040101010101" pitchFamily="2" charset="-122"/>
+              <a:ea typeface="华文彩云" panose="02010800040101010101" pitchFamily="2" charset="-122"/>
               <a:cs typeface="Arial Unicode MS"/>
             </a:endParaRPr>
           </a:p>
@@ -12478,15 +12761,15 @@
                 <a:solidFill>
                   <a:srgbClr val="FFFFFF"/>
                 </a:solidFill>
-                <a:latin typeface="微软雅黑" panose="020B0503020204020204" pitchFamily="34" charset="-122"/>
-                <a:ea typeface="微软雅黑" panose="020B0503020204020204" pitchFamily="34" charset="-122"/>
+                <a:latin typeface="华文彩云" panose="02010800040101010101" pitchFamily="2" charset="-122"/>
+                <a:ea typeface="华文彩云" panose="02010800040101010101" pitchFamily="2" charset="-122"/>
                 <a:cs typeface="Arial"/>
               </a:rPr>
               <a:t>•</a:t>
             </a:r>
             <a:endParaRPr sz="2850">
-              <a:latin typeface="微软雅黑" panose="020B0503020204020204" pitchFamily="34" charset="-122"/>
-              <a:ea typeface="微软雅黑" panose="020B0503020204020204" pitchFamily="34" charset="-122"/>
+              <a:latin typeface="华文彩云" panose="02010800040101010101" pitchFamily="2" charset="-122"/>
+              <a:ea typeface="华文彩云" panose="02010800040101010101" pitchFamily="2" charset="-122"/>
               <a:cs typeface="Arial"/>
             </a:endParaRPr>
           </a:p>
@@ -12519,107 +12802,107 @@
               </a:lnSpc>
             </a:pPr>
             <a:r>
-              <a:rPr sz="3800" spc="-150" dirty="0" err="1" smtClean="0">
-                <a:solidFill>
-                  <a:srgbClr val="FFFFFF"/>
-                </a:solidFill>
-                <a:latin typeface="微软雅黑" panose="020B0503020204020204" pitchFamily="34" charset="-122"/>
-                <a:ea typeface="微软雅黑" panose="020B0503020204020204" pitchFamily="34" charset="-122"/>
+              <a:rPr sz="3800" spc="-150" dirty="0" err="1">
+                <a:solidFill>
+                  <a:srgbClr val="FFFFFF"/>
+                </a:solidFill>
+                <a:latin typeface="华文彩云" panose="02010800040101010101" pitchFamily="2" charset="-122"/>
+                <a:ea typeface="华文彩云" panose="02010800040101010101" pitchFamily="2" charset="-122"/>
                 <a:cs typeface="Arial Unicode MS"/>
               </a:rPr>
               <a:t>在</a:t>
             </a:r>
             <a:r>
-              <a:rPr sz="3800" spc="-150" dirty="0" err="1" smtClean="0">
-                <a:solidFill>
-                  <a:srgbClr val="FFFFFF"/>
-                </a:solidFill>
-                <a:latin typeface="微软雅黑" panose="020B0503020204020204" pitchFamily="34" charset="-122"/>
-                <a:ea typeface="微软雅黑" panose="020B0503020204020204" pitchFamily="34" charset="-122"/>
+              <a:rPr sz="3800" spc="-150" dirty="0" err="1">
+                <a:solidFill>
+                  <a:srgbClr val="FFFFFF"/>
+                </a:solidFill>
+                <a:latin typeface="华文彩云" panose="02010800040101010101" pitchFamily="2" charset="-122"/>
+                <a:ea typeface="华文彩云" panose="02010800040101010101" pitchFamily="2" charset="-122"/>
                 <a:cs typeface="Arial"/>
               </a:rPr>
               <a:t>JavaScript</a:t>
             </a:r>
             <a:r>
-              <a:rPr sz="3800" spc="-150" dirty="0" err="1" smtClean="0">
-                <a:solidFill>
-                  <a:srgbClr val="FFFFFF"/>
-                </a:solidFill>
-                <a:latin typeface="微软雅黑" panose="020B0503020204020204" pitchFamily="34" charset="-122"/>
-                <a:ea typeface="微软雅黑" panose="020B0503020204020204" pitchFamily="34" charset="-122"/>
+              <a:rPr sz="3800" spc="-150" dirty="0" err="1">
+                <a:solidFill>
+                  <a:srgbClr val="FFFFFF"/>
+                </a:solidFill>
+                <a:latin typeface="华文彩云" panose="02010800040101010101" pitchFamily="2" charset="-122"/>
+                <a:ea typeface="华文彩云" panose="02010800040101010101" pitchFamily="2" charset="-122"/>
                 <a:cs typeface="Arial Unicode MS"/>
               </a:rPr>
               <a:t>中，函数参数是⼀个函数，返回值是</a:t>
             </a:r>
             <a:r>
-              <a:rPr sz="3800" spc="-150" dirty="0" smtClean="0">
-                <a:solidFill>
-                  <a:srgbClr val="FFFFFF"/>
-                </a:solidFill>
-                <a:latin typeface="微软雅黑" panose="020B0503020204020204" pitchFamily="34" charset="-122"/>
-                <a:ea typeface="微软雅黑" panose="020B0503020204020204" pitchFamily="34" charset="-122"/>
+              <a:rPr sz="3800" spc="-150" dirty="0">
+                <a:solidFill>
+                  <a:srgbClr val="FFFFFF"/>
+                </a:solidFill>
+                <a:latin typeface="华文彩云" panose="02010800040101010101" pitchFamily="2" charset="-122"/>
+                <a:ea typeface="华文彩云" panose="02010800040101010101" pitchFamily="2" charset="-122"/>
                 <a:cs typeface="Arial Unicode MS"/>
               </a:rPr>
               <a:t> </a:t>
             </a:r>
             <a:r>
-              <a:rPr sz="3800" spc="-150" dirty="0" err="1" smtClean="0">
-                <a:solidFill>
-                  <a:srgbClr val="FFFFFF"/>
-                </a:solidFill>
-                <a:latin typeface="微软雅黑" panose="020B0503020204020204" pitchFamily="34" charset="-122"/>
-                <a:ea typeface="微软雅黑" panose="020B0503020204020204" pitchFamily="34" charset="-122"/>
+              <a:rPr sz="3800" spc="-150" dirty="0" err="1">
+                <a:solidFill>
+                  <a:srgbClr val="FFFFFF"/>
+                </a:solidFill>
+                <a:latin typeface="华文彩云" panose="02010800040101010101" pitchFamily="2" charset="-122"/>
+                <a:ea typeface="华文彩云" panose="02010800040101010101" pitchFamily="2" charset="-122"/>
                 <a:cs typeface="Arial Unicode MS"/>
               </a:rPr>
               <a:t>另⼀个函数的情况是⾮非常常⻅见的；</a:t>
             </a:r>
             <a:r>
-              <a:rPr sz="3800" spc="-150" dirty="0" err="1" smtClean="0">
-                <a:solidFill>
-                  <a:srgbClr val="FFFFFF"/>
-                </a:solidFill>
-                <a:latin typeface="微软雅黑" panose="020B0503020204020204" pitchFamily="34" charset="-122"/>
-                <a:ea typeface="微软雅黑" panose="020B0503020204020204" pitchFamily="34" charset="-122"/>
+              <a:rPr sz="3800" spc="-150" dirty="0" err="1">
+                <a:solidFill>
+                  <a:srgbClr val="FFFFFF"/>
+                </a:solidFill>
+                <a:latin typeface="华文彩云" panose="02010800040101010101" pitchFamily="2" charset="-122"/>
+                <a:ea typeface="华文彩云" panose="02010800040101010101" pitchFamily="2" charset="-122"/>
                 <a:cs typeface="Arial"/>
               </a:rPr>
               <a:t>JavaScript</a:t>
             </a:r>
             <a:r>
-              <a:rPr sz="3800" spc="-150" dirty="0" err="1" smtClean="0">
-                <a:solidFill>
-                  <a:srgbClr val="FFFFFF"/>
-                </a:solidFill>
-                <a:latin typeface="微软雅黑" panose="020B0503020204020204" pitchFamily="34" charset="-122"/>
-                <a:ea typeface="微软雅黑" panose="020B0503020204020204" pitchFamily="34" charset="-122"/>
+              <a:rPr sz="3800" spc="-150" dirty="0" err="1">
+                <a:solidFill>
+                  <a:srgbClr val="FFFFFF"/>
+                </a:solidFill>
+                <a:latin typeface="华文彩云" panose="02010800040101010101" pitchFamily="2" charset="-122"/>
+                <a:ea typeface="华文彩云" panose="02010800040101010101" pitchFamily="2" charset="-122"/>
                 <a:cs typeface="Arial Unicode MS"/>
               </a:rPr>
               <a:t>是</a:t>
             </a:r>
             <a:r>
-              <a:rPr sz="3800" spc="-150" dirty="0" smtClean="0">
-                <a:solidFill>
-                  <a:srgbClr val="FFFFFF"/>
-                </a:solidFill>
-                <a:latin typeface="微软雅黑" panose="020B0503020204020204" pitchFamily="34" charset="-122"/>
-                <a:ea typeface="微软雅黑" panose="020B0503020204020204" pitchFamily="34" charset="-122"/>
+              <a:rPr sz="3800" spc="-150" dirty="0">
+                <a:solidFill>
+                  <a:srgbClr val="FFFFFF"/>
+                </a:solidFill>
+                <a:latin typeface="华文彩云" panose="02010800040101010101" pitchFamily="2" charset="-122"/>
+                <a:ea typeface="华文彩云" panose="02010800040101010101" pitchFamily="2" charset="-122"/>
                 <a:cs typeface="Arial Unicode MS"/>
               </a:rPr>
               <a:t>⼀⻔⾮</a:t>
             </a:r>
             <a:r>
-              <a:rPr sz="3800" spc="-150" dirty="0" err="1" smtClean="0">
-                <a:solidFill>
-                  <a:srgbClr val="FFFFFF"/>
-                </a:solidFill>
-                <a:latin typeface="微软雅黑" panose="020B0503020204020204" pitchFamily="34" charset="-122"/>
-                <a:ea typeface="微软雅黑" panose="020B0503020204020204" pitchFamily="34" charset="-122"/>
+              <a:rPr sz="3800" spc="-150" dirty="0" err="1">
+                <a:solidFill>
+                  <a:srgbClr val="FFFFFF"/>
+                </a:solidFill>
+                <a:latin typeface="华文彩云" panose="02010800040101010101" pitchFamily="2" charset="-122"/>
+                <a:ea typeface="华文彩云" panose="02010800040101010101" pitchFamily="2" charset="-122"/>
                 <a:cs typeface="Arial Unicode MS"/>
               </a:rPr>
               <a:t>常典型的函数式语⾔言</a:t>
             </a:r>
             <a:endParaRPr sz="3800" spc="-150" dirty="0">
-              <a:latin typeface="微软雅黑" panose="020B0503020204020204" pitchFamily="34" charset="-122"/>
-              <a:ea typeface="微软雅黑" panose="020B0503020204020204" pitchFamily="34" charset="-122"/>
+              <a:latin typeface="华文彩云" panose="02010800040101010101" pitchFamily="2" charset="-122"/>
+              <a:ea typeface="华文彩云" panose="02010800040101010101" pitchFamily="2" charset="-122"/>
               <a:cs typeface="Arial Unicode MS"/>
             </a:endParaRPr>
           </a:p>
@@ -17766,16 +18049,23 @@
             </a:pPr>
             <a:r>
               <a:rPr spc="-150" dirty="0" err="1">
-                <a:latin typeface="Arial"/>
+                <a:latin typeface="华文彩云" panose="02010800040101010101" pitchFamily="2" charset="-122"/>
+                <a:ea typeface="华文彩云" panose="02010800040101010101" pitchFamily="2" charset="-122"/>
                 <a:cs typeface="Arial"/>
               </a:rPr>
               <a:t>Java</a:t>
             </a:r>
             <a:r>
-              <a:rPr spc="-150" dirty="0" err="1" smtClean="0"/>
+              <a:rPr spc="-150" dirty="0" err="1">
+                <a:latin typeface="华文彩云" panose="02010800040101010101" pitchFamily="2" charset="-122"/>
+                <a:ea typeface="华文彩云" panose="02010800040101010101" pitchFamily="2" charset="-122"/>
+              </a:rPr>
               <a:t>匿名内部类示例</a:t>
             </a:r>
-            <a:endParaRPr spc="-150" dirty="0"/>
+            <a:endParaRPr spc="-150" dirty="0">
+              <a:latin typeface="华文彩云" panose="02010800040101010101" pitchFamily="2" charset="-122"/>
+              <a:ea typeface="华文彩云" panose="02010800040101010101" pitchFamily="2" charset="-122"/>
+            </a:endParaRPr>
           </a:p>
         </p:txBody>
       </p:sp>

--- a/doc/ppt/读书笔记/Java 8深入剖析与实战.pptx
+++ b/doc/ppt/读书笔记/Java 8深入剖析与实战.pptx
@@ -307,7 +307,7 @@
           <a:p>
             <a:fld id="{1D8BD707-D9CF-40AE-B4C6-C98DA3205C09}" type="datetimeFigureOut">
               <a:rPr lang="en-US"/>
-              <a:t>7/24/2019</a:t>
+              <a:t>7/27/2019</a:t>
             </a:fld>
             <a:endParaRPr lang="en-US"/>
           </a:p>
@@ -484,7 +484,7 @@
           <a:p>
             <a:fld id="{1D8BD707-D9CF-40AE-B4C6-C98DA3205C09}" type="datetimeFigureOut">
               <a:rPr lang="en-US"/>
-              <a:t>7/24/2019</a:t>
+              <a:t>7/27/2019</a:t>
             </a:fld>
             <a:endParaRPr lang="en-US"/>
           </a:p>
@@ -698,7 +698,7 @@
           <a:p>
             <a:fld id="{1D8BD707-D9CF-40AE-B4C6-C98DA3205C09}" type="datetimeFigureOut">
               <a:rPr lang="en-US"/>
-              <a:t>7/24/2019</a:t>
+              <a:t>7/27/2019</a:t>
             </a:fld>
             <a:endParaRPr lang="en-US"/>
           </a:p>
@@ -846,7 +846,7 @@
           <a:p>
             <a:fld id="{1D8BD707-D9CF-40AE-B4C6-C98DA3205C09}" type="datetimeFigureOut">
               <a:rPr lang="en-US"/>
-              <a:t>7/24/2019</a:t>
+              <a:t>7/27/2019</a:t>
             </a:fld>
             <a:endParaRPr lang="en-US"/>
           </a:p>
@@ -965,7 +965,7 @@
           <a:p>
             <a:fld id="{1D8BD707-D9CF-40AE-B4C6-C98DA3205C09}" type="datetimeFigureOut">
               <a:rPr lang="en-US"/>
-              <a:t>7/24/2019</a:t>
+              <a:t>7/27/2019</a:t>
             </a:fld>
             <a:endParaRPr lang="en-US"/>
           </a:p>
@@ -1240,7 +1240,7 @@
           <a:p>
             <a:fld id="{1D8BD707-D9CF-40AE-B4C6-C98DA3205C09}" type="datetimeFigureOut">
               <a:rPr lang="en-US"/>
-              <a:t>7/24/2019</a:t>
+              <a:t>7/27/2019</a:t>
             </a:fld>
             <a:endParaRPr lang="en-US"/>
           </a:p>
@@ -12594,66 +12594,48 @@
       </p:sp>
       <p:sp>
         <p:nvSpPr>
-          <p:cNvPr id="3" name="object 3"/>
+          <p:cNvPr id="8" name="文本框 7"/>
           <p:cNvSpPr txBox="1"/>
           <p:nvPr/>
         </p:nvSpPr>
         <p:spPr>
           <a:xfrm>
-            <a:off x="990600" y="2820098"/>
-            <a:ext cx="206375" cy="438582"/>
+            <a:off x="1122681" y="2819400"/>
+            <a:ext cx="45719" cy="369332"/>
           </a:xfrm>
           <a:prstGeom prst="rect">
             <a:avLst/>
           </a:prstGeom>
-        </p:spPr>
-        <p:txBody>
-          <a:bodyPr vert="horz" wrap="square" lIns="0" tIns="0" rIns="0" bIns="0" rtlCol="0">
-            <a:spAutoFit/>
-          </a:bodyPr>
-          <a:lstStyle/>
-          <a:p>
-            <a:pPr marL="12700">
-              <a:lnSpc>
-                <a:spcPct val="100000"/>
-              </a:lnSpc>
-            </a:pPr>
-            <a:r>
-              <a:rPr sz="2850" spc="425" dirty="0">
-                <a:solidFill>
-                  <a:srgbClr val="FFFFFF"/>
-                </a:solidFill>
-                <a:latin typeface="华文彩云" panose="02010800040101010101" pitchFamily="2" charset="-122"/>
-                <a:ea typeface="华文彩云" panose="02010800040101010101" pitchFamily="2" charset="-122"/>
-                <a:cs typeface="Arial"/>
-              </a:rPr>
-              <a:t>•</a:t>
-            </a:r>
-            <a:endParaRPr sz="2850">
-              <a:latin typeface="华文彩云" panose="02010800040101010101" pitchFamily="2" charset="-122"/>
-              <a:ea typeface="华文彩云" panose="02010800040101010101" pitchFamily="2" charset="-122"/>
-              <a:cs typeface="Arial"/>
-            </a:endParaRPr>
-          </a:p>
-        </p:txBody>
-      </p:sp>
-      <p:sp>
-        <p:nvSpPr>
-          <p:cNvPr id="4" name="object 4"/>
+          <a:noFill/>
+        </p:spPr>
+        <p:txBody>
+          <a:bodyPr wrap="square" rtlCol="0">
+            <a:spAutoFit/>
+          </a:bodyPr>
+          <a:lstStyle/>
+          <a:p>
+            <a:endParaRPr lang="zh-CN" altLang="en-US" dirty="0"/>
+          </a:p>
+        </p:txBody>
+      </p:sp>
+      <p:sp>
+        <p:nvSpPr>
+          <p:cNvPr id="9" name="文本框 8"/>
           <p:cNvSpPr txBox="1"/>
           <p:nvPr/>
         </p:nvSpPr>
         <p:spPr>
           <a:xfrm>
-            <a:off x="1435100" y="2747292"/>
-            <a:ext cx="10214610" cy="1259319"/>
+            <a:off x="749300" y="2895600"/>
+            <a:ext cx="11125200" cy="1938992"/>
           </a:xfrm>
           <a:prstGeom prst="rect">
             <a:avLst/>
           </a:prstGeom>
-        </p:spPr>
-        <p:txBody>
-          <a:bodyPr vert="horz" wrap="square" lIns="0" tIns="0" rIns="0" bIns="0" rtlCol="0">
+          <a:noFill/>
+        </p:spPr>
+        <p:txBody>
+          <a:bodyPr wrap="square" rtlCol="0">
             <a:spAutoFit/>
           </a:bodyPr>
           <a:lstStyle/>
@@ -12664,134 +12646,105 @@
               </a:lnSpc>
             </a:pPr>
             <a:r>
-              <a:rPr sz="3800" spc="-150" dirty="0" err="1">
-                <a:solidFill>
-                  <a:srgbClr val="FFFFFF"/>
-                </a:solidFill>
-                <a:latin typeface="华文彩云" panose="02010800040101010101" pitchFamily="2" charset="-122"/>
-                <a:ea typeface="华文彩云" panose="02010800040101010101" pitchFamily="2" charset="-122"/>
-                <a:cs typeface="Arial Unicode MS"/>
-              </a:rPr>
-              <a:t>在</a:t>
-            </a:r>
-            <a:r>
-              <a:rPr sz="3800" spc="-150" dirty="0" err="1">
-                <a:solidFill>
-                  <a:srgbClr val="FFFFFF"/>
-                </a:solidFill>
-                <a:latin typeface="华文彩云" panose="02010800040101010101" pitchFamily="2" charset="-122"/>
-                <a:ea typeface="华文彩云" panose="02010800040101010101" pitchFamily="2" charset="-122"/>
-                <a:cs typeface="Arial"/>
-              </a:rPr>
-              <a:t>Java</a:t>
-            </a:r>
-            <a:r>
-              <a:rPr sz="3800" spc="-150" dirty="0" err="1">
-                <a:solidFill>
-                  <a:srgbClr val="FFFFFF"/>
-                </a:solidFill>
-                <a:latin typeface="华文彩云" panose="02010800040101010101" pitchFamily="2" charset="-122"/>
-                <a:ea typeface="华文彩云" panose="02010800040101010101" pitchFamily="2" charset="-122"/>
-                <a:cs typeface="Arial Unicode MS"/>
-              </a:rPr>
-              <a:t>中，我们⽆无法将函数作为参数传递给⼀个</a:t>
-            </a:r>
-            <a:endParaRPr sz="3800" spc="-150" dirty="0">
-              <a:latin typeface="华文彩云" panose="02010800040101010101" pitchFamily="2" charset="-122"/>
-              <a:ea typeface="华文彩云" panose="02010800040101010101" pitchFamily="2" charset="-122"/>
+              <a:rPr lang="zh-CN" altLang="en-US" sz="4000" spc="-150" dirty="0" smtClean="0">
+                <a:solidFill>
+                  <a:srgbClr val="FFFFFF"/>
+                </a:solidFill>
+                <a:latin typeface="+mn-ea"/>
+                <a:cs typeface="Arial Unicode MS"/>
+              </a:rPr>
+              <a:t>在 </a:t>
+            </a:r>
+            <a:r>
+              <a:rPr lang="en-US" altLang="zh-CN" sz="4000" spc="-150" dirty="0" smtClean="0">
+                <a:solidFill>
+                  <a:srgbClr val="FFFFFF"/>
+                </a:solidFill>
+                <a:latin typeface="+mn-ea"/>
+                <a:cs typeface="Arial"/>
+              </a:rPr>
+              <a:t>Java </a:t>
+            </a:r>
+            <a:r>
+              <a:rPr lang="zh-CN" altLang="en-US" sz="4000" spc="-150" dirty="0" smtClean="0">
+                <a:solidFill>
+                  <a:srgbClr val="FFFFFF"/>
+                </a:solidFill>
+                <a:latin typeface="+mn-ea"/>
+                <a:cs typeface="Arial Unicode MS"/>
+              </a:rPr>
+              <a:t>中</a:t>
+            </a:r>
+            <a:r>
+              <a:rPr lang="zh-CN" altLang="en-US" sz="4000" spc="-150" dirty="0">
+                <a:solidFill>
+                  <a:srgbClr val="FFFFFF"/>
+                </a:solidFill>
+                <a:latin typeface="+mn-ea"/>
+                <a:cs typeface="Arial Unicode MS"/>
+              </a:rPr>
+              <a:t>，我们无法将函数作为参数传递</a:t>
+            </a:r>
+            <a:r>
+              <a:rPr lang="zh-CN" altLang="en-US" sz="4000" spc="-150" dirty="0" smtClean="0">
+                <a:solidFill>
+                  <a:srgbClr val="FFFFFF"/>
+                </a:solidFill>
+                <a:latin typeface="+mn-ea"/>
+                <a:cs typeface="Arial Unicode MS"/>
+              </a:rPr>
+              <a:t>给一个方法</a:t>
+            </a:r>
+            <a:r>
+              <a:rPr lang="zh-CN" altLang="en-US" sz="4000" spc="-150" dirty="0">
+                <a:solidFill>
+                  <a:srgbClr val="FFFFFF"/>
+                </a:solidFill>
+                <a:latin typeface="+mn-ea"/>
+                <a:cs typeface="Arial Unicode MS"/>
+              </a:rPr>
+              <a:t>，也无法声明返回一个函数</a:t>
+            </a:r>
+            <a:r>
+              <a:rPr lang="zh-CN" altLang="en-US" sz="4000" spc="-150" dirty="0" smtClean="0">
+                <a:solidFill>
+                  <a:srgbClr val="FFFFFF"/>
+                </a:solidFill>
+                <a:latin typeface="+mn-ea"/>
+                <a:cs typeface="Arial Unicode MS"/>
+              </a:rPr>
+              <a:t>的方法</a:t>
+            </a:r>
+            <a:endParaRPr lang="zh-CN" altLang="en-US" sz="4000" spc="-150" dirty="0">
+              <a:latin typeface="+mn-ea"/>
               <a:cs typeface="Arial Unicode MS"/>
             </a:endParaRPr>
           </a:p>
           <a:p>
-            <a:pPr marL="12700">
-              <a:lnSpc>
-                <a:spcPct val="100000"/>
-              </a:lnSpc>
-              <a:spcBef>
-                <a:spcPts val="740"/>
-              </a:spcBef>
-            </a:pPr>
-            <a:r>
-              <a:rPr sz="3800" spc="-150" dirty="0">
-                <a:solidFill>
-                  <a:srgbClr val="FFFFFF"/>
-                </a:solidFill>
-                <a:latin typeface="华文彩云" panose="02010800040101010101" pitchFamily="2" charset="-122"/>
-                <a:ea typeface="华文彩云" panose="02010800040101010101" pitchFamily="2" charset="-122"/>
-                <a:cs typeface="Arial Unicode MS"/>
-              </a:rPr>
-              <a:t>⽅方法，也⽆无法声明返回⼀一个函数的⽅方法</a:t>
-            </a:r>
-            <a:endParaRPr sz="3800" spc="-150" dirty="0">
-              <a:latin typeface="华文彩云" panose="02010800040101010101" pitchFamily="2" charset="-122"/>
-              <a:ea typeface="华文彩云" panose="02010800040101010101" pitchFamily="2" charset="-122"/>
-              <a:cs typeface="Arial Unicode MS"/>
-            </a:endParaRPr>
-          </a:p>
-        </p:txBody>
-      </p:sp>
-      <p:sp>
-        <p:nvSpPr>
-          <p:cNvPr id="5" name="object 5"/>
+            <a:endParaRPr lang="zh-CN" altLang="en-US" sz="4000" dirty="0">
+              <a:latin typeface="+mn-ea"/>
+            </a:endParaRPr>
+          </a:p>
+        </p:txBody>
+      </p:sp>
+      <p:sp>
+        <p:nvSpPr>
+          <p:cNvPr id="10" name="文本框 9"/>
           <p:cNvSpPr txBox="1"/>
           <p:nvPr/>
         </p:nvSpPr>
         <p:spPr>
           <a:xfrm>
-            <a:off x="990600" y="4699698"/>
-            <a:ext cx="206375" cy="438582"/>
+            <a:off x="482600" y="5562600"/>
+            <a:ext cx="12001500" cy="2142510"/>
           </a:xfrm>
           <a:prstGeom prst="rect">
             <a:avLst/>
           </a:prstGeom>
-        </p:spPr>
-        <p:txBody>
-          <a:bodyPr vert="horz" wrap="square" lIns="0" tIns="0" rIns="0" bIns="0" rtlCol="0">
-            <a:spAutoFit/>
-          </a:bodyPr>
-          <a:lstStyle/>
-          <a:p>
-            <a:pPr marL="12700">
-              <a:lnSpc>
-                <a:spcPct val="100000"/>
-              </a:lnSpc>
-            </a:pPr>
-            <a:r>
-              <a:rPr sz="2850" spc="425" dirty="0">
-                <a:solidFill>
-                  <a:srgbClr val="FFFFFF"/>
-                </a:solidFill>
-                <a:latin typeface="华文彩云" panose="02010800040101010101" pitchFamily="2" charset="-122"/>
-                <a:ea typeface="华文彩云" panose="02010800040101010101" pitchFamily="2" charset="-122"/>
-                <a:cs typeface="Arial"/>
-              </a:rPr>
-              <a:t>•</a:t>
-            </a:r>
-            <a:endParaRPr sz="2850">
-              <a:latin typeface="华文彩云" panose="02010800040101010101" pitchFamily="2" charset="-122"/>
-              <a:ea typeface="华文彩云" panose="02010800040101010101" pitchFamily="2" charset="-122"/>
-              <a:cs typeface="Arial"/>
-            </a:endParaRPr>
-          </a:p>
-        </p:txBody>
-      </p:sp>
-      <p:sp>
-        <p:nvSpPr>
-          <p:cNvPr id="6" name="object 6"/>
-          <p:cNvSpPr txBox="1"/>
-          <p:nvPr/>
-        </p:nvSpPr>
-        <p:spPr>
-          <a:xfrm>
-            <a:off x="1435100" y="4626892"/>
-            <a:ext cx="10509250" cy="2034981"/>
-          </a:xfrm>
-          <a:prstGeom prst="rect">
-            <a:avLst/>
-          </a:prstGeom>
-        </p:spPr>
-        <p:txBody>
-          <a:bodyPr vert="horz" wrap="square" lIns="0" tIns="0" rIns="0" bIns="0" rtlCol="0">
+          <a:noFill/>
+        </p:spPr>
+        <p:txBody>
+          <a:bodyPr wrap="square" rtlCol="0">
             <a:spAutoFit/>
           </a:bodyPr>
           <a:lstStyle/>
@@ -12802,107 +12755,171 @@
               </a:lnSpc>
             </a:pPr>
             <a:r>
-              <a:rPr sz="3800" spc="-150" dirty="0" err="1">
-                <a:solidFill>
-                  <a:srgbClr val="FFFFFF"/>
-                </a:solidFill>
-                <a:latin typeface="华文彩云" panose="02010800040101010101" pitchFamily="2" charset="-122"/>
-                <a:ea typeface="华文彩云" panose="02010800040101010101" pitchFamily="2" charset="-122"/>
-                <a:cs typeface="Arial Unicode MS"/>
-              </a:rPr>
-              <a:t>在</a:t>
-            </a:r>
-            <a:r>
-              <a:rPr sz="3800" spc="-150" dirty="0" err="1">
-                <a:solidFill>
-                  <a:srgbClr val="FFFFFF"/>
-                </a:solidFill>
-                <a:latin typeface="华文彩云" panose="02010800040101010101" pitchFamily="2" charset="-122"/>
-                <a:ea typeface="华文彩云" panose="02010800040101010101" pitchFamily="2" charset="-122"/>
+              <a:rPr lang="zh-CN" altLang="en-US" sz="4000" spc="-150" dirty="0" smtClean="0">
+                <a:solidFill>
+                  <a:srgbClr val="FFFFFF"/>
+                </a:solidFill>
+                <a:latin typeface="+mn-ea"/>
+                <a:cs typeface="Arial Unicode MS"/>
+              </a:rPr>
+              <a:t>在 </a:t>
+            </a:r>
+            <a:r>
+              <a:rPr lang="en-US" altLang="zh-CN" sz="4000" spc="-150" dirty="0" smtClean="0">
+                <a:solidFill>
+                  <a:srgbClr val="FFFFFF"/>
+                </a:solidFill>
+                <a:latin typeface="+mn-ea"/>
+                <a:cs typeface="Arial"/>
+              </a:rPr>
+              <a:t>JavaScript </a:t>
+            </a:r>
+            <a:r>
+              <a:rPr lang="zh-CN" altLang="en-US" sz="4000" spc="-150" dirty="0" smtClean="0">
+                <a:solidFill>
+                  <a:srgbClr val="FFFFFF"/>
+                </a:solidFill>
+                <a:latin typeface="+mn-ea"/>
+                <a:cs typeface="Arial Unicode MS"/>
+              </a:rPr>
+              <a:t>中</a:t>
+            </a:r>
+            <a:r>
+              <a:rPr lang="zh-CN" altLang="en-US" sz="4000" spc="-150" dirty="0">
+                <a:solidFill>
+                  <a:srgbClr val="FFFFFF"/>
+                </a:solidFill>
+                <a:latin typeface="+mn-ea"/>
+                <a:cs typeface="Arial Unicode MS"/>
+              </a:rPr>
+              <a:t>，函数参数是⼀个函数，返回值</a:t>
+            </a:r>
+            <a:r>
+              <a:rPr lang="zh-CN" altLang="en-US" sz="4000" spc="-150" dirty="0" smtClean="0">
+                <a:solidFill>
+                  <a:srgbClr val="FFFFFF"/>
+                </a:solidFill>
+                <a:latin typeface="+mn-ea"/>
+                <a:cs typeface="Arial Unicode MS"/>
+              </a:rPr>
+              <a:t>是另一个个</a:t>
+            </a:r>
+            <a:r>
+              <a:rPr lang="zh-CN" altLang="en-US" sz="4000" spc="-150" dirty="0">
+                <a:solidFill>
+                  <a:srgbClr val="FFFFFF"/>
+                </a:solidFill>
+                <a:latin typeface="+mn-ea"/>
+                <a:cs typeface="Arial Unicode MS"/>
+              </a:rPr>
+              <a:t>函数的情况</a:t>
+            </a:r>
+            <a:r>
+              <a:rPr lang="zh-CN" altLang="en-US" sz="4000" spc="-150" dirty="0" smtClean="0">
+                <a:solidFill>
+                  <a:srgbClr val="FFFFFF"/>
+                </a:solidFill>
+                <a:latin typeface="+mn-ea"/>
+                <a:cs typeface="Arial Unicode MS"/>
+              </a:rPr>
+              <a:t>是非</a:t>
+            </a:r>
+            <a:r>
+              <a:rPr lang="zh-CN" altLang="en-US" sz="4000" spc="-150" dirty="0">
+                <a:solidFill>
+                  <a:srgbClr val="FFFFFF"/>
+                </a:solidFill>
+                <a:latin typeface="+mn-ea"/>
+                <a:cs typeface="Arial Unicode MS"/>
+              </a:rPr>
+              <a:t>常常⻅见的</a:t>
+            </a:r>
+            <a:r>
+              <a:rPr lang="zh-CN" altLang="en-US" sz="4000" spc="-150" dirty="0" smtClean="0">
+                <a:solidFill>
+                  <a:srgbClr val="FFFFFF"/>
+                </a:solidFill>
+                <a:latin typeface="+mn-ea"/>
+                <a:cs typeface="Arial Unicode MS"/>
+              </a:rPr>
+              <a:t>；</a:t>
+            </a:r>
+            <a:endParaRPr lang="en-US" altLang="zh-CN" sz="4000" spc="-150" dirty="0" smtClean="0">
+              <a:solidFill>
+                <a:srgbClr val="FFFFFF"/>
+              </a:solidFill>
+              <a:latin typeface="+mn-ea"/>
+              <a:cs typeface="Arial Unicode MS"/>
+            </a:endParaRPr>
+          </a:p>
+          <a:p>
+            <a:pPr marL="12700" marR="5080">
+              <a:lnSpc>
+                <a:spcPct val="116199"/>
+              </a:lnSpc>
+            </a:pPr>
+            <a:r>
+              <a:rPr lang="en-US" altLang="zh-CN" sz="4000" spc="-150" dirty="0" smtClean="0">
+                <a:solidFill>
+                  <a:srgbClr val="FFFFFF"/>
+                </a:solidFill>
+                <a:latin typeface="+mn-ea"/>
                 <a:cs typeface="Arial"/>
               </a:rPr>
               <a:t>JavaScript</a:t>
             </a:r>
             <a:r>
-              <a:rPr sz="3800" spc="-150" dirty="0" err="1">
-                <a:solidFill>
-                  <a:srgbClr val="FFFFFF"/>
-                </a:solidFill>
-                <a:latin typeface="华文彩云" panose="02010800040101010101" pitchFamily="2" charset="-122"/>
-                <a:ea typeface="华文彩云" panose="02010800040101010101" pitchFamily="2" charset="-122"/>
-                <a:cs typeface="Arial Unicode MS"/>
-              </a:rPr>
-              <a:t>中，函数参数是⼀个函数，返回值是</a:t>
-            </a:r>
-            <a:r>
-              <a:rPr sz="3800" spc="-150" dirty="0">
-                <a:solidFill>
-                  <a:srgbClr val="FFFFFF"/>
-                </a:solidFill>
-                <a:latin typeface="华文彩云" panose="02010800040101010101" pitchFamily="2" charset="-122"/>
-                <a:ea typeface="华文彩云" panose="02010800040101010101" pitchFamily="2" charset="-122"/>
-                <a:cs typeface="Arial Unicode MS"/>
-              </a:rPr>
-              <a:t> </a:t>
-            </a:r>
-            <a:r>
-              <a:rPr sz="3800" spc="-150" dirty="0" err="1">
-                <a:solidFill>
-                  <a:srgbClr val="FFFFFF"/>
-                </a:solidFill>
-                <a:latin typeface="华文彩云" panose="02010800040101010101" pitchFamily="2" charset="-122"/>
-                <a:ea typeface="华文彩云" panose="02010800040101010101" pitchFamily="2" charset="-122"/>
-                <a:cs typeface="Arial Unicode MS"/>
-              </a:rPr>
-              <a:t>另⼀个函数的情况是⾮非常常⻅见的；</a:t>
-            </a:r>
-            <a:r>
-              <a:rPr sz="3800" spc="-150" dirty="0" err="1">
-                <a:solidFill>
-                  <a:srgbClr val="FFFFFF"/>
-                </a:solidFill>
-                <a:latin typeface="华文彩云" panose="02010800040101010101" pitchFamily="2" charset="-122"/>
-                <a:ea typeface="华文彩云" panose="02010800040101010101" pitchFamily="2" charset="-122"/>
-                <a:cs typeface="Arial"/>
-              </a:rPr>
-              <a:t>JavaScript</a:t>
-            </a:r>
-            <a:r>
-              <a:rPr sz="3800" spc="-150" dirty="0" err="1">
-                <a:solidFill>
-                  <a:srgbClr val="FFFFFF"/>
-                </a:solidFill>
-                <a:latin typeface="华文彩云" panose="02010800040101010101" pitchFamily="2" charset="-122"/>
-                <a:ea typeface="华文彩云" panose="02010800040101010101" pitchFamily="2" charset="-122"/>
+              <a:rPr lang="zh-CN" altLang="en-US" sz="4000" spc="-150" dirty="0" smtClean="0">
+                <a:solidFill>
+                  <a:srgbClr val="FFFFFF"/>
+                </a:solidFill>
+                <a:latin typeface="+mn-ea"/>
                 <a:cs typeface="Arial Unicode MS"/>
               </a:rPr>
               <a:t>是</a:t>
             </a:r>
             <a:r>
-              <a:rPr sz="3800" spc="-150" dirty="0">
-                <a:solidFill>
-                  <a:srgbClr val="FFFFFF"/>
-                </a:solidFill>
-                <a:latin typeface="华文彩云" panose="02010800040101010101" pitchFamily="2" charset="-122"/>
-                <a:ea typeface="华文彩云" panose="02010800040101010101" pitchFamily="2" charset="-122"/>
-                <a:cs typeface="Arial Unicode MS"/>
-              </a:rPr>
-              <a:t>⼀⻔⾮</a:t>
-            </a:r>
-            <a:r>
-              <a:rPr sz="3800" spc="-150" dirty="0" err="1">
-                <a:solidFill>
-                  <a:srgbClr val="FFFFFF"/>
-                </a:solidFill>
-                <a:latin typeface="华文彩云" panose="02010800040101010101" pitchFamily="2" charset="-122"/>
-                <a:ea typeface="华文彩云" panose="02010800040101010101" pitchFamily="2" charset="-122"/>
-                <a:cs typeface="Arial Unicode MS"/>
-              </a:rPr>
-              <a:t>常典型的函数式语⾔言</a:t>
-            </a:r>
-            <a:endParaRPr sz="3800" spc="-150" dirty="0">
-              <a:latin typeface="华文彩云" panose="02010800040101010101" pitchFamily="2" charset="-122"/>
-              <a:ea typeface="华文彩云" panose="02010800040101010101" pitchFamily="2" charset="-122"/>
+              <a:rPr lang="zh-CN" altLang="en-US" sz="4000" spc="-150" dirty="0">
+                <a:solidFill>
+                  <a:srgbClr val="FFFFFF"/>
+                </a:solidFill>
+                <a:latin typeface="+mn-ea"/>
+                <a:cs typeface="Arial Unicode MS"/>
+              </a:rPr>
+              <a:t>一门</a:t>
+            </a:r>
+            <a:r>
+              <a:rPr lang="zh-CN" altLang="en-US" sz="4000" spc="-150" dirty="0" smtClean="0">
+                <a:solidFill>
+                  <a:srgbClr val="FFFFFF"/>
+                </a:solidFill>
+                <a:latin typeface="+mn-ea"/>
+                <a:cs typeface="Arial Unicode MS"/>
+              </a:rPr>
+              <a:t>非常</a:t>
+            </a:r>
+            <a:r>
+              <a:rPr lang="zh-CN" altLang="en-US" sz="4000" spc="-150" dirty="0">
+                <a:solidFill>
+                  <a:srgbClr val="FFFFFF"/>
+                </a:solidFill>
+                <a:latin typeface="+mn-ea"/>
+                <a:cs typeface="Arial Unicode MS"/>
+              </a:rPr>
+              <a:t>典型的</a:t>
+            </a:r>
+            <a:r>
+              <a:rPr lang="zh-CN" altLang="en-US" sz="4000" spc="-150" dirty="0" smtClean="0">
+                <a:solidFill>
+                  <a:srgbClr val="FFFFFF"/>
+                </a:solidFill>
+                <a:latin typeface="+mn-ea"/>
+                <a:cs typeface="Arial Unicode MS"/>
+              </a:rPr>
+              <a:t>函数式语言。</a:t>
+            </a:r>
+            <a:endParaRPr lang="zh-CN" altLang="en-US" sz="4000" spc="-150" dirty="0">
+              <a:latin typeface="+mn-ea"/>
               <a:cs typeface="Arial Unicode MS"/>
             </a:endParaRPr>
           </a:p>
@@ -18030,7 +18047,7 @@
         <p:spPr>
           <a:xfrm>
             <a:off x="990600" y="880780"/>
-            <a:ext cx="11023600" cy="1231106"/>
+            <a:ext cx="12903200" cy="1231106"/>
           </a:xfrm>
           <a:prstGeom prst="rect">
             <a:avLst/>
@@ -18048,7 +18065,7 @@
               </a:lnSpc>
             </a:pPr>
             <a:r>
-              <a:rPr spc="-150" dirty="0" err="1">
+              <a:rPr spc="-150" dirty="0" smtClean="0">
                 <a:latin typeface="华文彩云" panose="02010800040101010101" pitchFamily="2" charset="-122"/>
                 <a:ea typeface="华文彩云" panose="02010800040101010101" pitchFamily="2" charset="-122"/>
                 <a:cs typeface="Arial"/>
@@ -18056,11 +18073,103 @@
               <a:t>Java</a:t>
             </a:r>
             <a:r>
-              <a:rPr spc="-150" dirty="0" err="1">
+              <a:rPr lang="en-US" spc="-150" dirty="0" smtClean="0">
                 <a:latin typeface="华文彩云" panose="02010800040101010101" pitchFamily="2" charset="-122"/>
                 <a:ea typeface="华文彩云" panose="02010800040101010101" pitchFamily="2" charset="-122"/>
-              </a:rPr>
-              <a:t>匿名内部类示例</a:t>
+                <a:cs typeface="Arial"/>
+              </a:rPr>
+              <a:t> </a:t>
+            </a:r>
+            <a:r>
+              <a:rPr spc="-150" dirty="0" smtClean="0">
+                <a:latin typeface="华文彩云" panose="02010800040101010101" pitchFamily="2" charset="-122"/>
+                <a:ea typeface="华文彩云" panose="02010800040101010101" pitchFamily="2" charset="-122"/>
+              </a:rPr>
+              <a:t>匿</a:t>
+            </a:r>
+            <a:r>
+              <a:rPr lang="en-US" spc="-150" dirty="0" smtClean="0">
+                <a:latin typeface="华文彩云" panose="02010800040101010101" pitchFamily="2" charset="-122"/>
+                <a:ea typeface="华文彩云" panose="02010800040101010101" pitchFamily="2" charset="-122"/>
+              </a:rPr>
+              <a:t> </a:t>
+            </a:r>
+            <a:r>
+              <a:rPr spc="-150" dirty="0" smtClean="0">
+                <a:latin typeface="华文彩云" panose="02010800040101010101" pitchFamily="2" charset="-122"/>
+                <a:ea typeface="华文彩云" panose="02010800040101010101" pitchFamily="2" charset="-122"/>
+              </a:rPr>
+              <a:t>名</a:t>
+            </a:r>
+            <a:r>
+              <a:rPr lang="en-US" spc="-150" dirty="0" smtClean="0">
+                <a:latin typeface="华文彩云" panose="02010800040101010101" pitchFamily="2" charset="-122"/>
+                <a:ea typeface="华文彩云" panose="02010800040101010101" pitchFamily="2" charset="-122"/>
+              </a:rPr>
+              <a:t> </a:t>
+            </a:r>
+            <a:r>
+              <a:rPr spc="-150" dirty="0" smtClean="0">
+                <a:latin typeface="华文彩云" panose="02010800040101010101" pitchFamily="2" charset="-122"/>
+                <a:ea typeface="华文彩云" panose="02010800040101010101" pitchFamily="2" charset="-122"/>
+              </a:rPr>
+              <a:t>内</a:t>
+            </a:r>
+            <a:r>
+              <a:rPr lang="en-US" spc="-150" dirty="0" smtClean="0">
+                <a:latin typeface="华文彩云" panose="02010800040101010101" pitchFamily="2" charset="-122"/>
+                <a:ea typeface="华文彩云" panose="02010800040101010101" pitchFamily="2" charset="-122"/>
+              </a:rPr>
+              <a:t> </a:t>
+            </a:r>
+            <a:r>
+              <a:rPr spc="-150" dirty="0" smtClean="0">
+                <a:latin typeface="华文彩云" panose="02010800040101010101" pitchFamily="2" charset="-122"/>
+                <a:ea typeface="华文彩云" panose="02010800040101010101" pitchFamily="2" charset="-122"/>
+              </a:rPr>
+              <a:t>部</a:t>
+            </a:r>
+            <a:r>
+              <a:rPr lang="en-US" spc="-150" dirty="0" smtClean="0">
+                <a:latin typeface="华文彩云" panose="02010800040101010101" pitchFamily="2" charset="-122"/>
+                <a:ea typeface="华文彩云" panose="02010800040101010101" pitchFamily="2" charset="-122"/>
+              </a:rPr>
+              <a:t> </a:t>
+            </a:r>
+            <a:r>
+              <a:rPr spc="-150" dirty="0" smtClean="0">
+                <a:latin typeface="华文彩云" panose="02010800040101010101" pitchFamily="2" charset="-122"/>
+                <a:ea typeface="华文彩云" panose="02010800040101010101" pitchFamily="2" charset="-122"/>
+              </a:rPr>
+              <a:t>类</a:t>
+            </a:r>
+            <a:r>
+              <a:rPr lang="en-US" spc="-150" dirty="0" smtClean="0">
+                <a:latin typeface="华文彩云" panose="02010800040101010101" pitchFamily="2" charset="-122"/>
+                <a:ea typeface="华文彩云" panose="02010800040101010101" pitchFamily="2" charset="-122"/>
+              </a:rPr>
+              <a:t> </a:t>
+            </a:r>
+            <a:r>
+              <a:rPr spc="-150" dirty="0" smtClean="0">
+                <a:latin typeface="华文彩云" panose="02010800040101010101" pitchFamily="2" charset="-122"/>
+                <a:ea typeface="华文彩云" panose="02010800040101010101" pitchFamily="2" charset="-122"/>
+              </a:rPr>
+              <a:t>示</a:t>
+            </a:r>
+            <a:r>
+              <a:rPr lang="en-US" spc="-150" dirty="0" smtClean="0">
+                <a:latin typeface="华文彩云" panose="02010800040101010101" pitchFamily="2" charset="-122"/>
+                <a:ea typeface="华文彩云" panose="02010800040101010101" pitchFamily="2" charset="-122"/>
+              </a:rPr>
+              <a:t> </a:t>
+            </a:r>
+            <a:r>
+              <a:rPr spc="-150" dirty="0" smtClean="0">
+                <a:latin typeface="华文彩云" panose="02010800040101010101" pitchFamily="2" charset="-122"/>
+                <a:ea typeface="华文彩云" panose="02010800040101010101" pitchFamily="2" charset="-122"/>
+              </a:rPr>
+              <a:t>例</a:t>
             </a:r>
             <a:endParaRPr spc="-150" dirty="0">
               <a:latin typeface="华文彩云" panose="02010800040101010101" pitchFamily="2" charset="-122"/>
@@ -21693,6 +21802,10 @@
           </p:nvPr>
         </p:nvSpPr>
         <p:spPr>
+          <a:xfrm>
+            <a:off x="990600" y="880780"/>
+            <a:ext cx="11023600" cy="1231106"/>
+          </a:xfrm>
           <a:prstGeom prst="rect">
             <a:avLst/>
           </a:prstGeom>
@@ -21709,58 +21822,87 @@
               </a:lnSpc>
             </a:pPr>
             <a:r>
-              <a:rPr spc="145" dirty="0">
-                <a:latin typeface="Arial"/>
+              <a:rPr spc="145" dirty="0" smtClean="0">
+                <a:latin typeface="+mn-ea"/>
+                <a:ea typeface="+mn-ea"/>
                 <a:cs typeface="Arial"/>
               </a:rPr>
               <a:t>Lambda</a:t>
             </a:r>
             <a:r>
-              <a:rPr spc="-1335" dirty="0"/>
-              <a:t>表达式作⽤用</a:t>
-            </a:r>
-          </a:p>
-        </p:txBody>
-      </p:sp>
-      <p:sp>
-        <p:nvSpPr>
-          <p:cNvPr id="3" name="object 3"/>
-          <p:cNvSpPr txBox="1"/>
-          <p:nvPr/>
-        </p:nvSpPr>
-        <p:spPr>
-          <a:xfrm>
-            <a:off x="990600" y="2820098"/>
-            <a:ext cx="206375" cy="387350"/>
-          </a:xfrm>
-          <a:prstGeom prst="rect">
-            <a:avLst/>
-          </a:prstGeom>
-        </p:spPr>
-        <p:txBody>
-          <a:bodyPr vert="horz" wrap="square" lIns="0" tIns="0" rIns="0" bIns="0" rtlCol="0">
-            <a:spAutoFit/>
-          </a:bodyPr>
-          <a:lstStyle/>
-          <a:p>
-            <a:pPr marL="12700">
-              <a:lnSpc>
-                <a:spcPct val="100000"/>
-              </a:lnSpc>
-            </a:pPr>
-            <a:r>
-              <a:rPr sz="2850" spc="425" dirty="0">
-                <a:solidFill>
-                  <a:srgbClr val="FFFFFF"/>
-                </a:solidFill>
-                <a:latin typeface="Arial"/>
-                <a:cs typeface="Arial"/>
-              </a:rPr>
-              <a:t>•</a:t>
-            </a:r>
-            <a:endParaRPr sz="2850">
-              <a:latin typeface="Arial"/>
-              <a:cs typeface="Arial"/>
+              <a:rPr lang="en-US" spc="145" dirty="0" smtClean="0">
+                <a:latin typeface="华文彩云" panose="02010800040101010101" pitchFamily="2" charset="-122"/>
+                <a:ea typeface="华文彩云" panose="02010800040101010101" pitchFamily="2" charset="-122"/>
+                <a:cs typeface="Arial"/>
+              </a:rPr>
+              <a:t> </a:t>
+            </a:r>
+            <a:r>
+              <a:rPr spc="-1335" dirty="0" smtClean="0">
+                <a:latin typeface="华文彩云" panose="02010800040101010101" pitchFamily="2" charset="-122"/>
+                <a:ea typeface="华文彩云" panose="02010800040101010101" pitchFamily="2" charset="-122"/>
+              </a:rPr>
+              <a:t>表</a:t>
+            </a:r>
+            <a:r>
+              <a:rPr lang="en-US" spc="-1335" dirty="0" smtClean="0">
+                <a:latin typeface="华文彩云" panose="02010800040101010101" pitchFamily="2" charset="-122"/>
+                <a:ea typeface="华文彩云" panose="02010800040101010101" pitchFamily="2" charset="-122"/>
+              </a:rPr>
+              <a:t>  </a:t>
+            </a:r>
+            <a:r>
+              <a:rPr spc="-1335" dirty="0" smtClean="0">
+                <a:latin typeface="华文彩云" panose="02010800040101010101" pitchFamily="2" charset="-122"/>
+                <a:ea typeface="华文彩云" panose="02010800040101010101" pitchFamily="2" charset="-122"/>
+              </a:rPr>
+              <a:t>达</a:t>
+            </a:r>
+            <a:r>
+              <a:rPr lang="en-US" spc="-1335" dirty="0" smtClean="0">
+                <a:latin typeface="华文彩云" panose="02010800040101010101" pitchFamily="2" charset="-122"/>
+                <a:ea typeface="华文彩云" panose="02010800040101010101" pitchFamily="2" charset="-122"/>
+              </a:rPr>
+              <a:t>  </a:t>
+            </a:r>
+            <a:r>
+              <a:rPr spc="-1335" dirty="0" smtClean="0">
+                <a:latin typeface="华文彩云" panose="02010800040101010101" pitchFamily="2" charset="-122"/>
+                <a:ea typeface="华文彩云" panose="02010800040101010101" pitchFamily="2" charset="-122"/>
+              </a:rPr>
+              <a:t>式</a:t>
+            </a:r>
+            <a:r>
+              <a:rPr lang="en-US" spc="-1335" dirty="0" smtClean="0">
+                <a:latin typeface="华文彩云" panose="02010800040101010101" pitchFamily="2" charset="-122"/>
+                <a:ea typeface="华文彩云" panose="02010800040101010101" pitchFamily="2" charset="-122"/>
+              </a:rPr>
+              <a:t> </a:t>
+            </a:r>
+            <a:r>
+              <a:rPr spc="-1335" dirty="0" smtClean="0">
+                <a:latin typeface="华文彩云" panose="02010800040101010101" pitchFamily="2" charset="-122"/>
+                <a:ea typeface="华文彩云" panose="02010800040101010101" pitchFamily="2" charset="-122"/>
+              </a:rPr>
+              <a:t>作</a:t>
+            </a:r>
+            <a:r>
+              <a:rPr lang="en-US" spc="-1335" dirty="0" smtClean="0">
+                <a:latin typeface="华文彩云" panose="02010800040101010101" pitchFamily="2" charset="-122"/>
+                <a:ea typeface="华文彩云" panose="02010800040101010101" pitchFamily="2" charset="-122"/>
+              </a:rPr>
+              <a:t>  </a:t>
+            </a:r>
+            <a:r>
+              <a:rPr spc="-1335" dirty="0" smtClean="0">
+                <a:latin typeface="华文彩云" panose="02010800040101010101" pitchFamily="2" charset="-122"/>
+                <a:ea typeface="华文彩云" panose="02010800040101010101" pitchFamily="2" charset="-122"/>
+              </a:rPr>
+              <a:t>用</a:t>
+            </a:r>
+            <a:endParaRPr spc="-1335" dirty="0">
+              <a:latin typeface="华文彩云" panose="02010800040101010101" pitchFamily="2" charset="-122"/>
+              <a:ea typeface="华文彩云" panose="02010800040101010101" pitchFamily="2" charset="-122"/>
             </a:endParaRPr>
           </a:p>
         </p:txBody>
@@ -21773,8 +21915,8 @@
         </p:nvSpPr>
         <p:spPr>
           <a:xfrm>
-            <a:off x="1435100" y="2759992"/>
-            <a:ext cx="10563225" cy="1155700"/>
+            <a:off x="635000" y="2759992"/>
+            <a:ext cx="11363325" cy="1298561"/>
           </a:xfrm>
           <a:prstGeom prst="rect">
             <a:avLst/>
@@ -21792,101 +21934,98 @@
               </a:lnSpc>
             </a:pPr>
             <a:r>
-              <a:rPr sz="3800" spc="65" dirty="0">
-                <a:solidFill>
-                  <a:srgbClr val="FFFFFF"/>
-                </a:solidFill>
-                <a:latin typeface="Arial"/>
+              <a:rPr sz="3800" spc="65" dirty="0" smtClean="0">
+                <a:solidFill>
+                  <a:srgbClr val="FFFFFF"/>
+                </a:solidFill>
+                <a:latin typeface="+mn-ea"/>
                 <a:cs typeface="Arial"/>
               </a:rPr>
               <a:t>Lambda</a:t>
             </a:r>
             <a:r>
-              <a:rPr sz="3800" spc="65" dirty="0">
-                <a:solidFill>
-                  <a:srgbClr val="FFFFFF"/>
-                </a:solidFill>
-                <a:latin typeface="Arial Unicode MS"/>
+              <a:rPr lang="en-US" sz="3800" spc="65" dirty="0" smtClean="0">
+                <a:solidFill>
+                  <a:srgbClr val="FFFFFF"/>
+                </a:solidFill>
+                <a:latin typeface="+mn-ea"/>
+                <a:cs typeface="Arial"/>
+              </a:rPr>
+              <a:t> </a:t>
+            </a:r>
+            <a:r>
+              <a:rPr sz="3800" spc="65" dirty="0" err="1" smtClean="0">
+                <a:solidFill>
+                  <a:srgbClr val="FFFFFF"/>
+                </a:solidFill>
+                <a:latin typeface="+mn-ea"/>
                 <a:cs typeface="Arial Unicode MS"/>
               </a:rPr>
               <a:t>表达式为</a:t>
             </a:r>
             <a:r>
-              <a:rPr sz="3800" spc="65" dirty="0">
-                <a:solidFill>
-                  <a:srgbClr val="FFFFFF"/>
-                </a:solidFill>
-                <a:latin typeface="Arial"/>
+              <a:rPr sz="3800" spc="65" dirty="0" err="1" smtClean="0">
+                <a:solidFill>
+                  <a:srgbClr val="FFFFFF"/>
+                </a:solidFill>
+                <a:latin typeface="+mn-ea"/>
                 <a:cs typeface="Arial"/>
               </a:rPr>
               <a:t>Java</a:t>
             </a:r>
             <a:r>
-              <a:rPr sz="3800" spc="-280" dirty="0">
-                <a:solidFill>
-                  <a:srgbClr val="FFFFFF"/>
-                </a:solidFill>
-                <a:latin typeface="Arial Unicode MS"/>
-                <a:cs typeface="Arial Unicode MS"/>
-              </a:rPr>
-              <a:t>添加了了缺失的函数式编程特 </a:t>
-            </a:r>
-            <a:r>
-              <a:rPr sz="3800" spc="-400" dirty="0">
-                <a:solidFill>
-                  <a:srgbClr val="FFFFFF"/>
-                </a:solidFill>
-                <a:latin typeface="Arial Unicode MS"/>
-                <a:cs typeface="Arial Unicode MS"/>
-              </a:rPr>
-              <a:t>性，使我们能将函数当做⼀一等公⺠民看待</a:t>
-            </a:r>
-            <a:endParaRPr sz="3800">
-              <a:latin typeface="Arial Unicode MS"/>
+              <a:rPr sz="3800" spc="-280" dirty="0" err="1" smtClean="0">
+                <a:solidFill>
+                  <a:srgbClr val="FFFFFF"/>
+                </a:solidFill>
+                <a:latin typeface="+mn-ea"/>
+                <a:cs typeface="Arial Unicode MS"/>
+              </a:rPr>
+              <a:t>添加了缺失的函数式编程特</a:t>
+            </a:r>
+            <a:r>
+              <a:rPr sz="3800" spc="-280" dirty="0" smtClean="0">
+                <a:solidFill>
+                  <a:srgbClr val="FFFFFF"/>
+                </a:solidFill>
+                <a:latin typeface="+mn-ea"/>
+                <a:cs typeface="Arial Unicode MS"/>
+              </a:rPr>
+              <a:t> </a:t>
+            </a:r>
+            <a:r>
+              <a:rPr sz="3800" spc="-400" dirty="0" err="1">
+                <a:solidFill>
+                  <a:srgbClr val="FFFFFF"/>
+                </a:solidFill>
+                <a:latin typeface="+mn-ea"/>
+                <a:cs typeface="Arial Unicode MS"/>
+              </a:rPr>
+              <a:t>性，</a:t>
+            </a:r>
+            <a:r>
+              <a:rPr sz="3800" spc="-400" dirty="0" err="1" smtClean="0">
+                <a:solidFill>
+                  <a:srgbClr val="FFFFFF"/>
+                </a:solidFill>
+                <a:latin typeface="+mn-ea"/>
+                <a:cs typeface="Arial Unicode MS"/>
+              </a:rPr>
+              <a:t>使我们能将函数当做一等公民看待</a:t>
+            </a:r>
+            <a:r>
+              <a:rPr lang="zh-CN" altLang="en-US" sz="3800" spc="-400" dirty="0" smtClean="0">
+                <a:solidFill>
+                  <a:srgbClr val="FFFFFF"/>
+                </a:solidFill>
+                <a:latin typeface="+mn-ea"/>
+                <a:cs typeface="Arial Unicode MS"/>
+              </a:rPr>
+              <a:t>。</a:t>
+            </a:r>
+            <a:endParaRPr sz="3800" dirty="0">
+              <a:latin typeface="+mn-ea"/>
               <a:cs typeface="Arial Unicode MS"/>
-            </a:endParaRPr>
-          </a:p>
-        </p:txBody>
-      </p:sp>
-      <p:sp>
-        <p:nvSpPr>
-          <p:cNvPr id="5" name="object 5"/>
-          <p:cNvSpPr txBox="1"/>
-          <p:nvPr/>
-        </p:nvSpPr>
-        <p:spPr>
-          <a:xfrm>
-            <a:off x="990600" y="4699698"/>
-            <a:ext cx="206375" cy="387350"/>
-          </a:xfrm>
-          <a:prstGeom prst="rect">
-            <a:avLst/>
-          </a:prstGeom>
-        </p:spPr>
-        <p:txBody>
-          <a:bodyPr vert="horz" wrap="square" lIns="0" tIns="0" rIns="0" bIns="0" rtlCol="0">
-            <a:spAutoFit/>
-          </a:bodyPr>
-          <a:lstStyle/>
-          <a:p>
-            <a:pPr marL="12700">
-              <a:lnSpc>
-                <a:spcPct val="100000"/>
-              </a:lnSpc>
-            </a:pPr>
-            <a:r>
-              <a:rPr sz="2850" spc="425" dirty="0">
-                <a:solidFill>
-                  <a:srgbClr val="FFFFFF"/>
-                </a:solidFill>
-                <a:latin typeface="Arial"/>
-                <a:cs typeface="Arial"/>
-              </a:rPr>
-              <a:t>•</a:t>
-            </a:r>
-            <a:endParaRPr sz="2850">
-              <a:latin typeface="Arial"/>
-              <a:cs typeface="Arial"/>
             </a:endParaRPr>
           </a:p>
         </p:txBody>
@@ -21899,8 +22038,8 @@
         </p:nvSpPr>
         <p:spPr>
           <a:xfrm>
-            <a:off x="1435100" y="4626892"/>
-            <a:ext cx="10563225" cy="2545715"/>
+            <a:off x="635000" y="4724400"/>
+            <a:ext cx="11363325" cy="2713307"/>
           </a:xfrm>
           <a:prstGeom prst="rect">
             <a:avLst/>
@@ -21921,157 +22060,377 @@
               </a:tabLst>
             </a:pPr>
             <a:r>
-              <a:rPr sz="3800" spc="-635" dirty="0">
-                <a:solidFill>
-                  <a:srgbClr val="FFFFFF"/>
-                </a:solidFill>
-                <a:latin typeface="Arial Unicode MS"/>
-                <a:cs typeface="Arial Unicode MS"/>
-              </a:rPr>
-              <a:t>在将函数作为⼀一等公⺠民的语⾔言中，</a:t>
-            </a:r>
-            <a:r>
-              <a:rPr sz="3800" spc="65" dirty="0">
-                <a:solidFill>
-                  <a:srgbClr val="FFFFFF"/>
-                </a:solidFill>
-                <a:latin typeface="Arial"/>
+              <a:rPr sz="3800" spc="-635" dirty="0" smtClean="0">
+                <a:solidFill>
+                  <a:srgbClr val="FFFFFF"/>
+                </a:solidFill>
+                <a:latin typeface="+mn-ea"/>
+                <a:cs typeface="Arial Unicode MS"/>
+              </a:rPr>
+              <a:t>在</a:t>
+            </a:r>
+            <a:r>
+              <a:rPr lang="en-US" sz="3800" spc="-635" dirty="0" smtClean="0">
+                <a:solidFill>
+                  <a:srgbClr val="FFFFFF"/>
+                </a:solidFill>
+                <a:latin typeface="+mn-ea"/>
+                <a:cs typeface="Arial Unicode MS"/>
+              </a:rPr>
+              <a:t>  </a:t>
+            </a:r>
+            <a:r>
+              <a:rPr lang="zh-CN" altLang="en-US" sz="3800" spc="-635" dirty="0" smtClean="0">
+                <a:solidFill>
+                  <a:srgbClr val="FFFFFF"/>
+                </a:solidFill>
+                <a:latin typeface="+mn-ea"/>
+                <a:cs typeface="Arial Unicode MS"/>
+              </a:rPr>
+              <a:t>将函数</a:t>
+            </a:r>
+            <a:r>
+              <a:rPr sz="3800" spc="-635" dirty="0" smtClean="0">
+                <a:solidFill>
+                  <a:srgbClr val="FFFFFF"/>
+                </a:solidFill>
+                <a:latin typeface="+mn-ea"/>
+                <a:cs typeface="Arial Unicode MS"/>
+              </a:rPr>
+              <a:t>作</a:t>
+            </a:r>
+            <a:r>
+              <a:rPr lang="en-US" sz="3800" spc="-635" dirty="0" smtClean="0">
+                <a:solidFill>
+                  <a:srgbClr val="FFFFFF"/>
+                </a:solidFill>
+                <a:latin typeface="+mn-ea"/>
+                <a:cs typeface="Arial Unicode MS"/>
+              </a:rPr>
+              <a:t>  </a:t>
+            </a:r>
+            <a:r>
+              <a:rPr sz="3800" spc="-635" dirty="0" smtClean="0">
+                <a:solidFill>
+                  <a:srgbClr val="FFFFFF"/>
+                </a:solidFill>
+                <a:latin typeface="+mn-ea"/>
+                <a:cs typeface="Arial Unicode MS"/>
+              </a:rPr>
+              <a:t>为</a:t>
+            </a:r>
+            <a:r>
+              <a:rPr lang="en-US" sz="3800" spc="-635" dirty="0" smtClean="0">
+                <a:solidFill>
+                  <a:srgbClr val="FFFFFF"/>
+                </a:solidFill>
+                <a:latin typeface="+mn-ea"/>
+                <a:cs typeface="Arial Unicode MS"/>
+              </a:rPr>
+              <a:t> </a:t>
+            </a:r>
+            <a:r>
+              <a:rPr sz="3800" spc="-635" dirty="0" smtClean="0">
+                <a:solidFill>
+                  <a:srgbClr val="FFFFFF"/>
+                </a:solidFill>
+                <a:latin typeface="+mn-ea"/>
+                <a:cs typeface="Arial Unicode MS"/>
+              </a:rPr>
+              <a:t>一</a:t>
+            </a:r>
+            <a:r>
+              <a:rPr lang="en-US" sz="3800" spc="-635" dirty="0" smtClean="0">
+                <a:solidFill>
+                  <a:srgbClr val="FFFFFF"/>
+                </a:solidFill>
+                <a:latin typeface="+mn-ea"/>
+                <a:cs typeface="Arial Unicode MS"/>
+              </a:rPr>
+              <a:t> </a:t>
+            </a:r>
+            <a:r>
+              <a:rPr sz="3800" spc="-635" dirty="0" smtClean="0">
+                <a:solidFill>
+                  <a:srgbClr val="FFFFFF"/>
+                </a:solidFill>
+                <a:latin typeface="+mn-ea"/>
+                <a:cs typeface="Arial Unicode MS"/>
+              </a:rPr>
+              <a:t>等</a:t>
+            </a:r>
+            <a:r>
+              <a:rPr lang="en-US" sz="3800" spc="-635" dirty="0" smtClean="0">
+                <a:solidFill>
+                  <a:srgbClr val="FFFFFF"/>
+                </a:solidFill>
+                <a:latin typeface="+mn-ea"/>
+                <a:cs typeface="Arial Unicode MS"/>
+              </a:rPr>
+              <a:t> </a:t>
+            </a:r>
+            <a:r>
+              <a:rPr sz="3800" spc="-635" dirty="0" smtClean="0">
+                <a:solidFill>
+                  <a:srgbClr val="FFFFFF"/>
+                </a:solidFill>
+                <a:latin typeface="+mn-ea"/>
+                <a:cs typeface="Arial Unicode MS"/>
+              </a:rPr>
+              <a:t>公</a:t>
+            </a:r>
+            <a:r>
+              <a:rPr lang="en-US" sz="3800" spc="-635" dirty="0" smtClean="0">
+                <a:solidFill>
+                  <a:srgbClr val="FFFFFF"/>
+                </a:solidFill>
+                <a:latin typeface="+mn-ea"/>
+                <a:cs typeface="Arial Unicode MS"/>
+              </a:rPr>
+              <a:t> </a:t>
+            </a:r>
+            <a:r>
+              <a:rPr sz="3800" spc="-635" dirty="0" smtClean="0">
+                <a:solidFill>
+                  <a:srgbClr val="FFFFFF"/>
+                </a:solidFill>
+                <a:latin typeface="+mn-ea"/>
+                <a:cs typeface="Arial Unicode MS"/>
+              </a:rPr>
+              <a:t>民</a:t>
+            </a:r>
+            <a:r>
+              <a:rPr lang="en-US" sz="3800" spc="-635" dirty="0" smtClean="0">
+                <a:solidFill>
+                  <a:srgbClr val="FFFFFF"/>
+                </a:solidFill>
+                <a:latin typeface="+mn-ea"/>
+                <a:cs typeface="Arial Unicode MS"/>
+              </a:rPr>
+              <a:t> </a:t>
+            </a:r>
+            <a:r>
+              <a:rPr sz="3800" spc="-635" dirty="0" err="1" smtClean="0">
+                <a:solidFill>
+                  <a:srgbClr val="FFFFFF"/>
+                </a:solidFill>
+                <a:latin typeface="+mn-ea"/>
+                <a:cs typeface="Arial Unicode MS"/>
+              </a:rPr>
+              <a:t>的语言中</a:t>
+            </a:r>
+            <a:r>
+              <a:rPr sz="3800" spc="-635" dirty="0" err="1">
+                <a:solidFill>
+                  <a:srgbClr val="FFFFFF"/>
+                </a:solidFill>
+                <a:latin typeface="+mn-ea"/>
+                <a:cs typeface="Arial Unicode MS"/>
+              </a:rPr>
+              <a:t>，</a:t>
+            </a:r>
+            <a:r>
+              <a:rPr sz="3800" spc="65" dirty="0" err="1">
+                <a:solidFill>
+                  <a:srgbClr val="FFFFFF"/>
+                </a:solidFill>
+                <a:latin typeface="+mn-ea"/>
                 <a:cs typeface="Arial"/>
               </a:rPr>
               <a:t>Lambda</a:t>
             </a:r>
             <a:r>
-              <a:rPr sz="3800" spc="65" dirty="0">
-                <a:solidFill>
-                  <a:srgbClr val="FFFFFF"/>
-                </a:solidFill>
-                <a:latin typeface="Arial Unicode MS"/>
-                <a:cs typeface="Arial Unicode MS"/>
-              </a:rPr>
-              <a:t>表达式 的类型是函数。</a:t>
-            </a:r>
-            <a:r>
-              <a:rPr sz="3800" spc="65" dirty="0">
+              <a:rPr sz="3800" spc="65" dirty="0" err="1" smtClean="0">
+                <a:solidFill>
+                  <a:srgbClr val="FFFFFF"/>
+                </a:solidFill>
+                <a:latin typeface="+mn-ea"/>
+                <a:cs typeface="Arial Unicode MS"/>
+              </a:rPr>
+              <a:t>表达式的类型是函数</a:t>
+            </a:r>
+            <a:r>
+              <a:rPr sz="3800" spc="65" dirty="0" err="1">
+                <a:solidFill>
+                  <a:srgbClr val="FFFFFF"/>
+                </a:solidFill>
+                <a:latin typeface="+mn-ea"/>
+                <a:cs typeface="Arial Unicode MS"/>
+              </a:rPr>
+              <a:t>。</a:t>
+            </a:r>
+            <a:r>
+              <a:rPr sz="3800" spc="65" dirty="0" err="1">
                 <a:solidFill>
                   <a:srgbClr val="00F900"/>
                 </a:solidFill>
-                <a:latin typeface="Arial Unicode MS"/>
+                <a:latin typeface="+mn-ea"/>
                 <a:cs typeface="Arial Unicode MS"/>
               </a:rPr>
               <a:t>但在</a:t>
             </a:r>
             <a:r>
-              <a:rPr sz="3800" spc="65" dirty="0">
+              <a:rPr sz="3800" spc="65" dirty="0" err="1">
                 <a:solidFill>
                   <a:srgbClr val="00F900"/>
                 </a:solidFill>
-                <a:latin typeface="Arial"/>
+                <a:latin typeface="+mn-ea"/>
                 <a:cs typeface="Arial"/>
               </a:rPr>
               <a:t>Java</a:t>
             </a:r>
             <a:r>
-              <a:rPr sz="3800" spc="65" dirty="0">
+              <a:rPr sz="3800" spc="65" dirty="0" err="1">
                 <a:solidFill>
                   <a:srgbClr val="00F900"/>
                 </a:solidFill>
-                <a:latin typeface="Arial Unicode MS"/>
+                <a:latin typeface="+mn-ea"/>
                 <a:cs typeface="Arial Unicode MS"/>
               </a:rPr>
               <a:t>中，</a:t>
             </a:r>
             <a:r>
-              <a:rPr sz="3800" spc="65" dirty="0">
+              <a:rPr sz="3800" spc="65" dirty="0" err="1">
                 <a:solidFill>
                   <a:srgbClr val="00F900"/>
                 </a:solidFill>
-                <a:latin typeface="Arial"/>
+                <a:latin typeface="+mn-ea"/>
                 <a:cs typeface="Arial"/>
               </a:rPr>
               <a:t>Lambda</a:t>
             </a:r>
             <a:r>
-              <a:rPr sz="3800" spc="65" dirty="0">
+              <a:rPr sz="3800" spc="65" dirty="0" err="1" smtClean="0">
                 <a:solidFill>
                   <a:srgbClr val="00F900"/>
                 </a:solidFill>
-                <a:latin typeface="Arial Unicode MS"/>
-                <a:cs typeface="Arial Unicode MS"/>
-              </a:rPr>
-              <a:t>表达式是对 象</a:t>
+                <a:latin typeface="+mn-ea"/>
+                <a:cs typeface="Arial Unicode MS"/>
+              </a:rPr>
+              <a:t>表达式是对象</a:t>
+            </a:r>
+            <a:r>
+              <a:rPr sz="3800" spc="-215" dirty="0" err="1">
+                <a:solidFill>
+                  <a:srgbClr val="FFFFFF"/>
+                </a:solidFill>
+                <a:latin typeface="+mn-ea"/>
+                <a:cs typeface="Arial Unicode MS"/>
+              </a:rPr>
+              <a:t>，</a:t>
+            </a:r>
+            <a:r>
+              <a:rPr sz="3800" spc="-215" dirty="0" err="1" smtClean="0">
+                <a:solidFill>
+                  <a:srgbClr val="FFFFFF"/>
+                </a:solidFill>
+                <a:latin typeface="+mn-ea"/>
+                <a:cs typeface="Arial Unicode MS"/>
+              </a:rPr>
+              <a:t>他们必须依附于一类特别的对象类型</a:t>
             </a:r>
             <a:r>
               <a:rPr sz="3800" spc="-215" dirty="0">
                 <a:solidFill>
                   <a:srgbClr val="FFFFFF"/>
                 </a:solidFill>
-                <a:latin typeface="Arial Unicode MS"/>
-                <a:cs typeface="Arial Unicode MS"/>
-              </a:rPr>
-              <a:t>，他们必须依附于⼀一类特别的对象类型</a:t>
-            </a:r>
-            <a:r>
-              <a:rPr sz="3800" spc="-215" dirty="0">
-                <a:solidFill>
-                  <a:srgbClr val="FFFFFF"/>
-                </a:solidFill>
-                <a:latin typeface="Arial"/>
+                <a:latin typeface="+mn-ea"/>
                 <a:cs typeface="Arial"/>
               </a:rPr>
               <a:t>——</a:t>
             </a:r>
             <a:r>
-              <a:rPr sz="3800" spc="-215" dirty="0">
-                <a:solidFill>
-                  <a:srgbClr val="FFFFFF"/>
-                </a:solidFill>
-                <a:latin typeface="Arial Unicode MS"/>
-                <a:cs typeface="Arial Unicode MS"/>
-              </a:rPr>
-              <a:t>函 </a:t>
-            </a:r>
-            <a:r>
-              <a:rPr sz="3800" spc="-760" dirty="0">
-                <a:solidFill>
-                  <a:srgbClr val="FFFFFF"/>
-                </a:solidFill>
-                <a:latin typeface="Arial Unicode MS"/>
-                <a:cs typeface="Arial Unicode MS"/>
-              </a:rPr>
-              <a:t>数式接⼝口</a:t>
+              <a:rPr sz="3800" spc="-215" dirty="0" err="1" smtClean="0">
+                <a:solidFill>
+                  <a:srgbClr val="FFFFFF"/>
+                </a:solidFill>
+                <a:latin typeface="+mn-ea"/>
+                <a:cs typeface="Arial Unicode MS"/>
+              </a:rPr>
+              <a:t>函</a:t>
+            </a:r>
+            <a:r>
+              <a:rPr sz="3800" spc="-760" dirty="0" err="1" smtClean="0">
+                <a:solidFill>
+                  <a:srgbClr val="FFFFFF"/>
+                </a:solidFill>
+                <a:latin typeface="+mn-ea"/>
+                <a:cs typeface="Arial Unicode MS"/>
+              </a:rPr>
+              <a:t>数式接口</a:t>
             </a:r>
             <a:r>
               <a:rPr sz="3800" spc="15" dirty="0">
                 <a:solidFill>
                   <a:srgbClr val="FFFFFF"/>
                 </a:solidFill>
-                <a:latin typeface="Arial"/>
-                <a:cs typeface="Arial"/>
-              </a:rPr>
-              <a:t>(functional	inte</a:t>
-            </a:r>
-            <a:r>
-              <a:rPr sz="3800" spc="65" dirty="0">
-                <a:solidFill>
-                  <a:srgbClr val="FFFFFF"/>
-                </a:solidFill>
-                <a:latin typeface="Arial"/>
+                <a:latin typeface="+mn-ea"/>
+                <a:cs typeface="Arial"/>
+              </a:rPr>
+              <a:t>(</a:t>
+            </a:r>
+            <a:r>
+              <a:rPr sz="3800" spc="15" dirty="0" smtClean="0">
+                <a:solidFill>
+                  <a:srgbClr val="FFFFFF"/>
+                </a:solidFill>
+                <a:latin typeface="+mn-ea"/>
+                <a:cs typeface="Arial"/>
+              </a:rPr>
+              <a:t>functional</a:t>
+            </a:r>
+            <a:r>
+              <a:rPr lang="en-US" sz="3800" spc="15" dirty="0" smtClean="0">
+                <a:solidFill>
+                  <a:srgbClr val="FFFFFF"/>
+                </a:solidFill>
+                <a:latin typeface="+mn-ea"/>
+                <a:cs typeface="Arial"/>
+              </a:rPr>
+              <a:t> </a:t>
+            </a:r>
+            <a:r>
+              <a:rPr sz="3800" spc="15" dirty="0" smtClean="0">
+                <a:solidFill>
+                  <a:srgbClr val="FFFFFF"/>
+                </a:solidFill>
+                <a:latin typeface="+mn-ea"/>
+                <a:cs typeface="Arial"/>
+              </a:rPr>
+              <a:t>inte</a:t>
+            </a:r>
+            <a:r>
+              <a:rPr sz="3800" spc="65" dirty="0" smtClean="0">
+                <a:solidFill>
+                  <a:srgbClr val="FFFFFF"/>
+                </a:solidFill>
+                <a:latin typeface="+mn-ea"/>
                 <a:cs typeface="Arial"/>
               </a:rPr>
               <a:t>r</a:t>
             </a:r>
             <a:r>
+              <a:rPr sz="3800" spc="40" dirty="0" smtClean="0">
+                <a:solidFill>
+                  <a:srgbClr val="FFFFFF"/>
+                </a:solidFill>
+                <a:latin typeface="+mn-ea"/>
+                <a:cs typeface="Arial"/>
+              </a:rPr>
+              <a:t>face</a:t>
+            </a:r>
+            <a:r>
               <a:rPr sz="3800" spc="40" dirty="0">
                 <a:solidFill>
                   <a:srgbClr val="FFFFFF"/>
                 </a:solidFill>
-                <a:latin typeface="Arial"/>
-                <a:cs typeface="Arial"/>
-              </a:rPr>
-              <a:t>face)</a:t>
-            </a:r>
-            <a:endParaRPr sz="3800">
-              <a:latin typeface="Arial"/>
+                <a:latin typeface="+mn-ea"/>
+                <a:cs typeface="Arial"/>
+              </a:rPr>
+              <a:t>)</a:t>
+            </a:r>
+            <a:endParaRPr sz="3800" dirty="0">
+              <a:latin typeface="+mn-ea"/>
               <a:cs typeface="Arial"/>
             </a:endParaRPr>
           </a:p>
